--- a/poster/poster_small.pptx
+++ b/poster/poster_small.pptx
@@ -700,7 +700,7 @@
           </a:ln>
           <a:extLst>
             <a:ext uri="{C572A759-6A51-4108-AA02-DFA0A04FC94B}">
-              <ma14:wrappingTextBoxFlag xmlns="" xmlns:m="http://schemas.openxmlformats.org/officeDocument/2006/math" xmlns:a14="http://schemas.microsoft.com/office/drawing/2010/main" xmlns:ma14="http://schemas.microsoft.com/office/mac/drawingml/2011/main" val="1"/>
+              <ma14:wrappingTextBoxFlag xmlns:ma14="http://schemas.microsoft.com/office/mac/drawingml/2011/main" xmlns:a14="http://schemas.microsoft.com/office/drawing/2010/main" xmlns:m="http://schemas.openxmlformats.org/officeDocument/2006/math" xmlns="" val="1"/>
             </a:ext>
           </a:extLst>
         </p:spPr>
@@ -737,7 +737,7 @@
           </a:ln>
           <a:extLst>
             <a:ext uri="{C572A759-6A51-4108-AA02-DFA0A04FC94B}">
-              <ma14:wrappingTextBoxFlag xmlns="" xmlns:m="http://schemas.openxmlformats.org/officeDocument/2006/math" xmlns:a14="http://schemas.microsoft.com/office/drawing/2010/main" xmlns:ma14="http://schemas.microsoft.com/office/mac/drawingml/2011/main" val="1"/>
+              <ma14:wrappingTextBoxFlag xmlns:ma14="http://schemas.microsoft.com/office/mac/drawingml/2011/main" xmlns:a14="http://schemas.microsoft.com/office/drawing/2010/main" xmlns:m="http://schemas.openxmlformats.org/officeDocument/2006/math" xmlns="" val="1"/>
             </a:ext>
           </a:extLst>
         </p:spPr>
@@ -1581,7 +1581,7 @@
           </a:ln>
           <a:extLst>
             <a:ext uri="{C572A759-6A51-4108-AA02-DFA0A04FC94B}">
-              <ma14:wrappingTextBoxFlag xmlns="" xmlns:m="http://schemas.openxmlformats.org/officeDocument/2006/math" xmlns:a14="http://schemas.microsoft.com/office/drawing/2010/main" xmlns:ma14="http://schemas.microsoft.com/office/mac/drawingml/2011/main" val="1"/>
+              <ma14:wrappingTextBoxFlag xmlns:ma14="http://schemas.microsoft.com/office/mac/drawingml/2011/main" xmlns:a14="http://schemas.microsoft.com/office/drawing/2010/main" xmlns:m="http://schemas.openxmlformats.org/officeDocument/2006/math" xmlns="" val="1"/>
             </a:ext>
           </a:extLst>
         </p:spPr>
@@ -1626,7 +1626,7 @@
           </a:ln>
           <a:extLst>
             <a:ext uri="{C572A759-6A51-4108-AA02-DFA0A04FC94B}">
-              <ma14:wrappingTextBoxFlag xmlns="" xmlns:m="http://schemas.openxmlformats.org/officeDocument/2006/math" xmlns:a14="http://schemas.microsoft.com/office/drawing/2010/main" xmlns:ma14="http://schemas.microsoft.com/office/mac/drawingml/2011/main" val="1"/>
+              <ma14:wrappingTextBoxFlag xmlns:ma14="http://schemas.microsoft.com/office/mac/drawingml/2011/main" xmlns:a14="http://schemas.microsoft.com/office/drawing/2010/main" xmlns:m="http://schemas.openxmlformats.org/officeDocument/2006/math" xmlns="" val="1"/>
             </a:ext>
           </a:extLst>
         </p:spPr>
@@ -1662,7 +1662,7 @@
         <p:spPr>
           <a:xfrm>
             <a:off x="986246" y="5018530"/>
-            <a:ext cx="9064534" cy="3934667"/>
+            <a:ext cx="9064534" cy="832279"/>
           </a:xfrm>
           <a:prstGeom prst="rect">
             <a:avLst/>
@@ -1672,7 +1672,7 @@
           </a:ln>
           <a:extLst>
             <a:ext uri="{C572A759-6A51-4108-AA02-DFA0A04FC94B}">
-              <ma14:wrappingTextBoxFlag xmlns="" xmlns:m="http://schemas.openxmlformats.org/officeDocument/2006/math" xmlns:a14="http://schemas.microsoft.com/office/drawing/2010/main" xmlns:ma14="http://schemas.microsoft.com/office/mac/drawingml/2011/main" val="1"/>
+              <ma14:wrappingTextBoxFlag xmlns:ma14="http://schemas.microsoft.com/office/mac/drawingml/2011/main" xmlns:a14="http://schemas.microsoft.com/office/drawing/2010/main" xmlns:m="http://schemas.openxmlformats.org/officeDocument/2006/math" xmlns="" val="1"/>
             </a:ext>
           </a:extLst>
         </p:spPr>
@@ -1699,31 +1699,15 @@
           <a:p>
             <a:r>
               <a:rPr lang="en-GB" dirty="0"/>
-              <a:t>We propose Deep VAR: a novel approach towards VAR that leverages the power of deep learning in order to model non-linear relationships. By modelling each </a:t>
+              <a:t>We propose </a:t>
             </a:r>
             <a:r>
               <a:rPr lang="en-GB" b="1" dirty="0"/>
-              <a:t>equation of the VAR system as a deep neural network</a:t>
+              <a:t>Deep VAR</a:t>
             </a:r>
             <a:r>
               <a:rPr lang="en-GB" dirty="0"/>
-              <a:t>, our proposed extension outperforms modern benchmarks in terms of in-sample fit, out-of- sample fit and point forecasting accuracy. In particular, we find that the Deep VAR is able to </a:t>
-            </a:r>
-            <a:r>
-              <a:rPr lang="en-GB" b="1" dirty="0"/>
-              <a:t>better capture the structural economic changes</a:t>
-            </a:r>
-            <a:r>
-              <a:rPr lang="en-GB" dirty="0"/>
-              <a:t> during periods of uncertainty and recession. By staying </a:t>
-            </a:r>
-            <a:r>
-              <a:rPr lang="en-GB" b="1" dirty="0"/>
-              <a:t>methodologically as close as possible to the original benchmark</a:t>
-            </a:r>
-            <a:r>
-              <a:rPr lang="en-GB" dirty="0"/>
-              <a:t>, we hope that our approach is more likely to find acceptance in the economics domain. </a:t>
+              <a:t>: a novel approach towards VAR that leverages the power of deep learning in order to model non-linear relationships. </a:t>
             </a:r>
           </a:p>
         </p:txBody>
@@ -1747,7 +1731,7 @@
           </a:ln>
           <a:extLst>
             <a:ext uri="{C572A759-6A51-4108-AA02-DFA0A04FC94B}">
-              <ma14:wrappingTextBoxFlag xmlns="" xmlns:m="http://schemas.openxmlformats.org/officeDocument/2006/math" xmlns:a14="http://schemas.microsoft.com/office/drawing/2010/main" xmlns:ma14="http://schemas.microsoft.com/office/mac/drawingml/2011/main" val="1"/>
+              <ma14:wrappingTextBoxFlag xmlns:ma14="http://schemas.microsoft.com/office/mac/drawingml/2011/main" xmlns:a14="http://schemas.microsoft.com/office/drawing/2010/main" xmlns:m="http://schemas.openxmlformats.org/officeDocument/2006/math" xmlns="" val="1"/>
             </a:ext>
           </a:extLst>
         </p:spPr>
@@ -1787,7 +1771,7 @@
         </p:nvSpPr>
         <p:spPr>
           <a:xfrm>
-            <a:off x="986246" y="9680953"/>
+            <a:off x="986246" y="6659845"/>
             <a:ext cx="9064534" cy="1220078"/>
           </a:xfrm>
           <a:prstGeom prst="rect">
@@ -1798,7 +1782,7 @@
           </a:ln>
           <a:extLst>
             <a:ext uri="{C572A759-6A51-4108-AA02-DFA0A04FC94B}">
-              <ma14:wrappingTextBoxFlag xmlns="" xmlns:m="http://schemas.openxmlformats.org/officeDocument/2006/math" xmlns:a14="http://schemas.microsoft.com/office/drawing/2010/main" xmlns:ma14="http://schemas.microsoft.com/office/mac/drawingml/2011/main" val="1"/>
+              <ma14:wrappingTextBoxFlag xmlns:ma14="http://schemas.microsoft.com/office/mac/drawingml/2011/main" xmlns:a14="http://schemas.microsoft.com/office/drawing/2010/main" xmlns:m="http://schemas.openxmlformats.org/officeDocument/2006/math" xmlns="" val="1"/>
             </a:ext>
           </a:extLst>
         </p:spPr>
@@ -1899,7 +1883,7 @@
         </p:nvSpPr>
         <p:spPr>
           <a:xfrm>
-            <a:off x="11880670" y="3580560"/>
+            <a:off x="990397" y="17234324"/>
             <a:ext cx="9064533" cy="615553"/>
           </a:xfrm>
           <a:prstGeom prst="rect">
@@ -1910,7 +1894,7 @@
           </a:ln>
           <a:extLst>
             <a:ext uri="{C572A759-6A51-4108-AA02-DFA0A04FC94B}">
-              <ma14:wrappingTextBoxFlag xmlns="" xmlns:m="http://schemas.openxmlformats.org/officeDocument/2006/math" xmlns:a14="http://schemas.microsoft.com/office/drawing/2010/main" xmlns:ma14="http://schemas.microsoft.com/office/mac/drawingml/2011/main" val="1"/>
+              <ma14:wrappingTextBoxFlag xmlns:ma14="http://schemas.microsoft.com/office/mac/drawingml/2011/main" xmlns:a14="http://schemas.microsoft.com/office/drawing/2010/main" xmlns:m="http://schemas.openxmlformats.org/officeDocument/2006/math" xmlns="" val="1"/>
             </a:ext>
           </a:extLst>
         </p:spPr>
@@ -1945,8 +1929,8 @@
         </p:nvSpPr>
         <p:spPr>
           <a:xfrm>
-            <a:off x="11880670" y="4326744"/>
-            <a:ext cx="9064533" cy="415498"/>
+            <a:off x="990397" y="17980508"/>
+            <a:ext cx="9064533" cy="461665"/>
           </a:xfrm>
           <a:prstGeom prst="rect">
             <a:avLst/>
@@ -1956,7 +1940,7 @@
           </a:ln>
           <a:extLst>
             <a:ext uri="{C572A759-6A51-4108-AA02-DFA0A04FC94B}">
-              <ma14:wrappingTextBoxFlag xmlns="" xmlns:m="http://schemas.openxmlformats.org/officeDocument/2006/math" xmlns:a14="http://schemas.microsoft.com/office/drawing/2010/main" xmlns:ma14="http://schemas.microsoft.com/office/mac/drawingml/2011/main" val="1"/>
+              <ma14:wrappingTextBoxFlag xmlns:ma14="http://schemas.microsoft.com/office/mac/drawingml/2011/main" xmlns:a14="http://schemas.microsoft.com/office/drawing/2010/main" xmlns:m="http://schemas.openxmlformats.org/officeDocument/2006/math" xmlns="" val="1"/>
             </a:ext>
           </a:extLst>
         </p:spPr>
@@ -1976,10 +1960,10 @@
           </a:lstStyle>
           <a:p>
             <a:r>
-              <a:rPr lang="en-US" dirty="0"/>
+              <a:rPr lang="en-US" sz="2400" dirty="0"/>
               <a:t>Empirical evidence</a:t>
             </a:r>
-            <a:endParaRPr dirty="0"/>
+            <a:endParaRPr sz="2400" dirty="0"/>
           </a:p>
         </p:txBody>
       </p:sp>
@@ -1991,7 +1975,7 @@
         </p:nvSpPr>
         <p:spPr>
           <a:xfrm>
-            <a:off x="986246" y="11202393"/>
+            <a:off x="986246" y="8372487"/>
             <a:ext cx="9064534" cy="615553"/>
           </a:xfrm>
           <a:prstGeom prst="rect">
@@ -2002,7 +1986,7 @@
           </a:ln>
           <a:extLst>
             <a:ext uri="{C572A759-6A51-4108-AA02-DFA0A04FC94B}">
-              <ma14:wrappingTextBoxFlag xmlns="" xmlns:m="http://schemas.openxmlformats.org/officeDocument/2006/math" xmlns:a14="http://schemas.microsoft.com/office/drawing/2010/main" xmlns:ma14="http://schemas.microsoft.com/office/mac/drawingml/2011/main" val="1"/>
+              <ma14:wrappingTextBoxFlag xmlns:ma14="http://schemas.microsoft.com/office/mac/drawingml/2011/main" xmlns:a14="http://schemas.microsoft.com/office/drawing/2010/main" xmlns:m="http://schemas.openxmlformats.org/officeDocument/2006/math" xmlns="" val="1"/>
             </a:ext>
           </a:extLst>
         </p:spPr>
@@ -2037,8 +2021,8 @@
         </p:nvSpPr>
         <p:spPr>
           <a:xfrm>
-            <a:off x="986246" y="11905511"/>
-            <a:ext cx="9064534" cy="415498"/>
+            <a:off x="986246" y="9075605"/>
+            <a:ext cx="9064534" cy="461665"/>
           </a:xfrm>
           <a:prstGeom prst="rect">
             <a:avLst/>
@@ -2048,7 +2032,7 @@
           </a:ln>
           <a:extLst>
             <a:ext uri="{C572A759-6A51-4108-AA02-DFA0A04FC94B}">
-              <ma14:wrappingTextBoxFlag xmlns="" xmlns:m="http://schemas.openxmlformats.org/officeDocument/2006/math" xmlns:a14="http://schemas.microsoft.com/office/drawing/2010/main" xmlns:ma14="http://schemas.microsoft.com/office/mac/drawingml/2011/main" val="1"/>
+              <ma14:wrappingTextBoxFlag xmlns:ma14="http://schemas.microsoft.com/office/mac/drawingml/2011/main" xmlns:a14="http://schemas.microsoft.com/office/drawing/2010/main" xmlns:m="http://schemas.openxmlformats.org/officeDocument/2006/math" xmlns="" val="1"/>
             </a:ext>
           </a:extLst>
         </p:spPr>
@@ -2068,10 +2052,10 @@
           </a:lstStyle>
           <a:p>
             <a:r>
-              <a:rPr lang="en-US" dirty="0"/>
+              <a:rPr lang="en-US" sz="2400" dirty="0"/>
               <a:t>A simple methodology</a:t>
             </a:r>
-            <a:endParaRPr dirty="0"/>
+            <a:endParaRPr sz="2400" dirty="0"/>
           </a:p>
         </p:txBody>
       </p:sp>
@@ -2083,8 +2067,8 @@
         </p:nvSpPr>
         <p:spPr>
           <a:xfrm>
-            <a:off x="986246" y="12632281"/>
-            <a:ext cx="9064534" cy="2383473"/>
+            <a:off x="986246" y="9802375"/>
+            <a:ext cx="9064534" cy="1607876"/>
           </a:xfrm>
           <a:prstGeom prst="rect">
             <a:avLst/>
@@ -2094,7 +2078,7 @@
           </a:ln>
           <a:extLst>
             <a:ext uri="{C572A759-6A51-4108-AA02-DFA0A04FC94B}">
-              <ma14:wrappingTextBoxFlag xmlns="" xmlns:m="http://schemas.openxmlformats.org/officeDocument/2006/math" xmlns:a14="http://schemas.microsoft.com/office/drawing/2010/main" xmlns:ma14="http://schemas.microsoft.com/office/mac/drawingml/2011/main" val="1"/>
+              <ma14:wrappingTextBoxFlag xmlns:ma14="http://schemas.microsoft.com/office/mac/drawingml/2011/main" xmlns:a14="http://schemas.microsoft.com/office/drawing/2010/main" xmlns:m="http://schemas.openxmlformats.org/officeDocument/2006/math" xmlns="" val="1"/>
             </a:ext>
           </a:extLst>
         </p:spPr>
@@ -2145,7 +2129,7 @@
             </a:r>
             <a:r>
               <a:rPr lang="en-GB" dirty="0"/>
-              <a:t>VAR has become a standard tool for practitioners to construct economic forecasts, but the assumption of linearity through time and variables is restrictive. We relax that assumption through one simple step: estimate each system equation through a recurrent neural network.</a:t>
+              <a:t>We relax the assumption of linearity through one simple step: estimate each system equation through a recurrent neural network.</a:t>
             </a:r>
           </a:p>
         </p:txBody>
@@ -2158,7 +2142,7 @@
         </p:nvSpPr>
         <p:spPr>
           <a:xfrm>
-            <a:off x="22833818" y="11199753"/>
+            <a:off x="22834772" y="11352932"/>
             <a:ext cx="9029701" cy="615553"/>
           </a:xfrm>
           <a:prstGeom prst="rect">
@@ -2169,7 +2153,7 @@
           </a:ln>
           <a:extLst>
             <a:ext uri="{C572A759-6A51-4108-AA02-DFA0A04FC94B}">
-              <ma14:wrappingTextBoxFlag xmlns="" xmlns:m="http://schemas.openxmlformats.org/officeDocument/2006/math" xmlns:a14="http://schemas.microsoft.com/office/drawing/2010/main" xmlns:ma14="http://schemas.microsoft.com/office/mac/drawingml/2011/main" val="1"/>
+              <ma14:wrappingTextBoxFlag xmlns:ma14="http://schemas.microsoft.com/office/mac/drawingml/2011/main" xmlns:a14="http://schemas.microsoft.com/office/drawing/2010/main" xmlns:m="http://schemas.openxmlformats.org/officeDocument/2006/math" xmlns="" val="1"/>
             </a:ext>
           </a:extLst>
         </p:spPr>
@@ -2204,7 +2188,7 @@
         </p:nvSpPr>
         <p:spPr>
           <a:xfrm>
-            <a:off x="22833818" y="11962892"/>
+            <a:off x="22834772" y="12116071"/>
             <a:ext cx="9029701" cy="415498"/>
           </a:xfrm>
           <a:prstGeom prst="rect">
@@ -2215,7 +2199,7 @@
           </a:ln>
           <a:extLst>
             <a:ext uri="{C572A759-6A51-4108-AA02-DFA0A04FC94B}">
-              <ma14:wrappingTextBoxFlag xmlns="" xmlns:m="http://schemas.openxmlformats.org/officeDocument/2006/math" xmlns:a14="http://schemas.microsoft.com/office/drawing/2010/main" xmlns:ma14="http://schemas.microsoft.com/office/mac/drawingml/2011/main" val="1"/>
+              <ma14:wrappingTextBoxFlag xmlns:ma14="http://schemas.microsoft.com/office/mac/drawingml/2011/main" xmlns:a14="http://schemas.microsoft.com/office/drawing/2010/main" xmlns:m="http://schemas.openxmlformats.org/officeDocument/2006/math" xmlns="" val="1"/>
             </a:ext>
           </a:extLst>
         </p:spPr>
@@ -2236,7 +2220,7 @@
           <a:p>
             <a:r>
               <a:rPr lang="en-US" dirty="0"/>
-              <a:t>Recent work</a:t>
+              <a:t>Planned developments</a:t>
             </a:r>
             <a:endParaRPr dirty="0"/>
           </a:p>
@@ -2250,8 +2234,8 @@
         </p:nvSpPr>
         <p:spPr>
           <a:xfrm>
-            <a:off x="22837397" y="14884078"/>
-            <a:ext cx="9039498" cy="2771271"/>
+            <a:off x="22838351" y="15037257"/>
+            <a:ext cx="9039498" cy="444481"/>
           </a:xfrm>
           <a:prstGeom prst="rect">
             <a:avLst/>
@@ -2261,7 +2245,7 @@
           </a:ln>
           <a:extLst>
             <a:ext uri="{C572A759-6A51-4108-AA02-DFA0A04FC94B}">
-              <ma14:wrappingTextBoxFlag xmlns="" xmlns:m="http://schemas.openxmlformats.org/officeDocument/2006/math" xmlns:a14="http://schemas.microsoft.com/office/drawing/2010/main" xmlns:ma14="http://schemas.microsoft.com/office/mac/drawingml/2011/main" val="1"/>
+              <ma14:wrappingTextBoxFlag xmlns:ma14="http://schemas.microsoft.com/office/mac/drawingml/2011/main" xmlns:a14="http://schemas.microsoft.com/office/drawing/2010/main" xmlns:m="http://schemas.openxmlformats.org/officeDocument/2006/math" xmlns="" val="1"/>
             </a:ext>
           </a:extLst>
         </p:spPr>
@@ -2290,74 +2274,6 @@
               <a:buFont typeface="Arial" panose="020B0604020202020204" pitchFamily="34" charset="0"/>
               <a:buChar char="•"/>
             </a:pPr>
-            <a:r>
-              <a:rPr lang="en-US" dirty="0"/>
-              <a:t>What </a:t>
-            </a:r>
-            <a:r>
-              <a:rPr lang="en-US" b="1" dirty="0"/>
-              <a:t>other benchmark models </a:t>
-            </a:r>
-            <a:r>
-              <a:rPr lang="en-US" dirty="0"/>
-              <a:t>should we consider?</a:t>
-            </a:r>
-          </a:p>
-          <a:p>
-            <a:pPr marL="342900" indent="-342900">
-              <a:buFont typeface="Arial" panose="020B0604020202020204" pitchFamily="34" charset="0"/>
-              <a:buChar char="•"/>
-            </a:pPr>
-            <a:r>
-              <a:rPr lang="en-US" b="1" dirty="0"/>
-              <a:t>Structural identification </a:t>
-            </a:r>
-            <a:r>
-              <a:rPr lang="en-US" dirty="0"/>
-              <a:t>– how to proceed? </a:t>
-            </a:r>
-            <a:r>
-              <a:rPr lang="en-US" dirty="0" err="1"/>
-              <a:t>Verstyuk</a:t>
-            </a:r>
-            <a:r>
-              <a:rPr lang="en-US" dirty="0"/>
-              <a:t> (2020) works with Cholesky decomposition as in conventional VAR.</a:t>
-            </a:r>
-          </a:p>
-          <a:p>
-            <a:pPr marL="342900" indent="-342900">
-              <a:buFont typeface="Arial" panose="020B0604020202020204" pitchFamily="34" charset="0"/>
-              <a:buChar char="•"/>
-            </a:pPr>
-            <a:r>
-              <a:rPr lang="en-US" dirty="0"/>
-              <a:t>Can the existing toolbox (IRFs, variance decomposition, policy counterfactuals, …) be derived for Deep VAR?</a:t>
-            </a:r>
-          </a:p>
-          <a:p>
-            <a:pPr marL="342900" indent="-342900">
-              <a:buFont typeface="Arial" panose="020B0604020202020204" pitchFamily="34" charset="0"/>
-              <a:buChar char="•"/>
-            </a:pPr>
-            <a:r>
-              <a:rPr lang="en-US" dirty="0"/>
-              <a:t>Deep VAR as a </a:t>
-            </a:r>
-            <a:r>
-              <a:rPr lang="en-US" b="1" dirty="0"/>
-              <a:t>tool for detecting non-linearities</a:t>
-            </a:r>
-            <a:r>
-              <a:rPr lang="en-US" dirty="0"/>
-              <a:t>?</a:t>
-            </a:r>
-          </a:p>
-          <a:p>
-            <a:pPr marL="342900" indent="-342900">
-              <a:buFont typeface="Arial" panose="020B0604020202020204" pitchFamily="34" charset="0"/>
-              <a:buChar char="•"/>
-            </a:pPr>
             <a:endParaRPr dirty="0"/>
           </a:p>
         </p:txBody>
@@ -2370,7 +2286,7 @@
         </p:nvSpPr>
         <p:spPr>
           <a:xfrm>
-            <a:off x="22905719" y="17516209"/>
+            <a:off x="22863470" y="16928869"/>
             <a:ext cx="6335025" cy="387516"/>
           </a:xfrm>
           <a:prstGeom prst="rect">
@@ -2381,7 +2297,7 @@
           </a:ln>
           <a:extLst>
             <a:ext uri="{C572A759-6A51-4108-AA02-DFA0A04FC94B}">
-              <ma14:wrappingTextBoxFlag xmlns="" xmlns:m="http://schemas.openxmlformats.org/officeDocument/2006/math" xmlns:a14="http://schemas.microsoft.com/office/drawing/2010/main" xmlns:ma14="http://schemas.microsoft.com/office/mac/drawingml/2011/main" val="1"/>
+              <ma14:wrappingTextBoxFlag xmlns:ma14="http://schemas.microsoft.com/office/mac/drawingml/2011/main" xmlns:a14="http://schemas.microsoft.com/office/drawing/2010/main" xmlns:m="http://schemas.openxmlformats.org/officeDocument/2006/math" xmlns="" val="1"/>
             </a:ext>
           </a:extLst>
         </p:spPr>
@@ -2415,8 +2331,8 @@
         </p:nvSpPr>
         <p:spPr>
           <a:xfrm>
-            <a:off x="22905719" y="17903725"/>
-            <a:ext cx="6335025" cy="2626168"/>
+            <a:off x="22863470" y="17456995"/>
+            <a:ext cx="9026231" cy="1515095"/>
           </a:xfrm>
           <a:prstGeom prst="rect">
             <a:avLst/>
@@ -2426,12 +2342,12 @@
           </a:ln>
           <a:extLst>
             <a:ext uri="{C572A759-6A51-4108-AA02-DFA0A04FC94B}">
-              <ma14:wrappingTextBoxFlag xmlns="" xmlns:m="http://schemas.openxmlformats.org/officeDocument/2006/math" xmlns:a14="http://schemas.microsoft.com/office/drawing/2010/main" xmlns:ma14="http://schemas.microsoft.com/office/mac/drawingml/2011/main" val="1"/>
+              <ma14:wrappingTextBoxFlag xmlns:ma14="http://schemas.microsoft.com/office/mac/drawingml/2011/main" xmlns:a14="http://schemas.microsoft.com/office/drawing/2010/main" xmlns:m="http://schemas.openxmlformats.org/officeDocument/2006/math" xmlns="" val="1"/>
             </a:ext>
           </a:extLst>
         </p:spPr>
         <p:txBody>
-          <a:bodyPr lIns="45719" rIns="45719" anchor="b">
+          <a:bodyPr wrap="square" lIns="45719" rIns="45719" anchor="b">
             <a:spAutoFit/>
           </a:bodyPr>
           <a:lstStyle/>
@@ -2548,92 +2464,6 @@
             </a:pPr>
             <a:r>
               <a:rPr lang="en-US" dirty="0"/>
-              <a:t>Gal and </a:t>
-            </a:r>
-            <a:r>
-              <a:rPr lang="en-US" dirty="0" err="1"/>
-              <a:t>Ghaharamani</a:t>
-            </a:r>
-            <a:r>
-              <a:rPr lang="en-US" dirty="0"/>
-              <a:t> </a:t>
-            </a:r>
-            <a:r>
-              <a:rPr dirty="0"/>
-              <a:t>(201</a:t>
-            </a:r>
-            <a:r>
-              <a:rPr lang="en-US" dirty="0"/>
-              <a:t>6</a:t>
-            </a:r>
-            <a:r>
-              <a:rPr dirty="0"/>
-              <a:t>). “</a:t>
-            </a:r>
-            <a:r>
-              <a:rPr lang="en-GB" sz="1400" dirty="0">
-                <a:sym typeface="Arial"/>
-              </a:rPr>
-              <a:t>Dropout as a Bayesian Approximation: Representing Model Uncertainty in Deep Learning</a:t>
-            </a:r>
-            <a:r>
-              <a:rPr dirty="0"/>
-              <a:t>.”. </a:t>
-            </a:r>
-            <a:r>
-              <a:rPr dirty="0">
-                <a:solidFill>
-                  <a:srgbClr val="677B8C"/>
-                </a:solidFill>
-              </a:rPr>
-              <a:t>In:</a:t>
-            </a:r>
-            <a:r>
-              <a:rPr sz="1400" dirty="0">
-                <a:solidFill>
-                  <a:srgbClr val="677B8C"/>
-                </a:solidFill>
-                <a:latin typeface="Arial"/>
-                <a:cs typeface="Arial"/>
-              </a:rPr>
-              <a:t> </a:t>
-            </a:r>
-            <a:r>
-              <a:rPr lang="en-GB" sz="1400" dirty="0">
-                <a:solidFill>
-                  <a:srgbClr val="677B8C"/>
-                </a:solidFill>
-                <a:latin typeface="Arial"/>
-                <a:cs typeface="Arial"/>
-                <a:sym typeface="Arial"/>
-              </a:rPr>
-              <a:t>International Conference on Machine Learning, 1050–59. PMLR. </a:t>
-            </a:r>
-            <a:endParaRPr sz="1400" dirty="0">
-              <a:solidFill>
-                <a:srgbClr val="677B8C"/>
-              </a:solidFill>
-              <a:latin typeface="Arial"/>
-              <a:cs typeface="Arial"/>
-            </a:endParaRPr>
-          </a:p>
-          <a:p>
-            <a:pPr>
-              <a:lnSpc>
-                <a:spcPct val="120000"/>
-              </a:lnSpc>
-              <a:spcBef>
-                <a:spcPts val="600"/>
-              </a:spcBef>
-              <a:defRPr sz="1400">
-                <a:latin typeface="Arial"/>
-                <a:ea typeface="Arial"/>
-                <a:cs typeface="Arial"/>
-                <a:sym typeface="Arial"/>
-              </a:defRPr>
-            </a:pPr>
-            <a:r>
-              <a:rPr lang="en-US" dirty="0"/>
               <a:t>Kilian and </a:t>
             </a:r>
             <a:r>
@@ -2797,7 +2627,7 @@
           </a:ln>
           <a:extLst>
             <a:ext uri="{C572A759-6A51-4108-AA02-DFA0A04FC94B}">
-              <ma14:wrappingTextBoxFlag xmlns="" xmlns:m="http://schemas.openxmlformats.org/officeDocument/2006/math" xmlns:a14="http://schemas.microsoft.com/office/drawing/2010/main" xmlns:ma14="http://schemas.microsoft.com/office/mac/drawingml/2011/main" val="1"/>
+              <ma14:wrappingTextBoxFlag xmlns:ma14="http://schemas.microsoft.com/office/mac/drawingml/2011/main" xmlns:a14="http://schemas.microsoft.com/office/drawing/2010/main" xmlns:m="http://schemas.openxmlformats.org/officeDocument/2006/math" xmlns="" val="1"/>
             </a:ext>
           </a:extLst>
         </p:spPr>
@@ -2901,7 +2731,7 @@
         </p:nvSpPr>
         <p:spPr>
           <a:xfrm>
-            <a:off x="968275" y="9183189"/>
+            <a:off x="968275" y="6162081"/>
             <a:ext cx="9064534" cy="415498"/>
           </a:xfrm>
           <a:prstGeom prst="rect">
@@ -2912,7 +2742,7 @@
           </a:ln>
           <a:extLst>
             <a:ext uri="{C572A759-6A51-4108-AA02-DFA0A04FC94B}">
-              <ma14:wrappingTextBoxFlag xmlns="" xmlns:m="http://schemas.openxmlformats.org/officeDocument/2006/math" xmlns:a14="http://schemas.microsoft.com/office/drawing/2010/main" xmlns:ma14="http://schemas.microsoft.com/office/mac/drawingml/2011/main" val="1"/>
+              <ma14:wrappingTextBoxFlag xmlns:ma14="http://schemas.microsoft.com/office/mac/drawingml/2011/main" xmlns:a14="http://schemas.microsoft.com/office/drawing/2010/main" xmlns:m="http://schemas.openxmlformats.org/officeDocument/2006/math" xmlns="" val="1"/>
             </a:ext>
           </a:extLst>
         </p:spPr>
@@ -2953,10 +2783,10 @@
         </p:nvGrpSpPr>
         <p:grpSpPr>
           <a:xfrm>
-            <a:off x="1003662" y="15344587"/>
-            <a:ext cx="9029701" cy="5099762"/>
-            <a:chOff x="1003662" y="15344587"/>
-            <a:chExt cx="9029701" cy="5099762"/>
+            <a:off x="1060244" y="11603251"/>
+            <a:ext cx="9029701" cy="5093557"/>
+            <a:chOff x="1009025" y="15344587"/>
+            <a:chExt cx="9029701" cy="5093557"/>
           </a:xfrm>
           <a:effectLst>
             <a:outerShdw blurRad="50800" dist="38100" dir="2700000" algn="tl" rotWithShape="0">
@@ -2975,7 +2805,7 @@
           </p:nvSpPr>
           <p:spPr>
             <a:xfrm>
-              <a:off x="1003662" y="20151961"/>
+              <a:off x="1009025" y="20145756"/>
               <a:ext cx="9029701" cy="292388"/>
             </a:xfrm>
             <a:prstGeom prst="rect">
@@ -2986,7 +2816,7 @@
             </a:ln>
             <a:extLst>
               <a:ext uri="{C572A759-6A51-4108-AA02-DFA0A04FC94B}">
-                <ma14:wrappingTextBoxFlag xmlns="" xmlns:m="http://schemas.openxmlformats.org/officeDocument/2006/math" xmlns:a14="http://schemas.microsoft.com/office/drawing/2010/main" xmlns:ma14="http://schemas.microsoft.com/office/mac/drawingml/2011/main" val="1"/>
+                <ma14:wrappingTextBoxFlag xmlns:ma14="http://schemas.microsoft.com/office/mac/drawingml/2011/main" xmlns:a14="http://schemas.microsoft.com/office/drawing/2010/main" xmlns:m="http://schemas.openxmlformats.org/officeDocument/2006/math" xmlns="" val="1"/>
               </a:ext>
             </a:extLst>
           </p:spPr>
@@ -3085,10 +2915,10 @@
         </p:nvGrpSpPr>
         <p:grpSpPr>
           <a:xfrm>
-            <a:off x="11898085" y="8888243"/>
-            <a:ext cx="9026547" cy="6341764"/>
-            <a:chOff x="11898085" y="8889102"/>
-            <a:chExt cx="9378374" cy="6524054"/>
+            <a:off x="12100251" y="4442794"/>
+            <a:ext cx="8599592" cy="6088615"/>
+            <a:chOff x="11911401" y="8889102"/>
+            <a:chExt cx="9365058" cy="6515722"/>
           </a:xfrm>
           <a:effectLst>
             <a:outerShdw blurRad="50800" dist="38100" dir="2700000" algn="tl" rotWithShape="0">
@@ -3107,7 +2937,7 @@
           </p:nvSpPr>
           <p:spPr>
             <a:xfrm>
-              <a:off x="11898085" y="15120768"/>
+              <a:off x="12079079" y="15112436"/>
               <a:ext cx="9029701" cy="292388"/>
             </a:xfrm>
             <a:prstGeom prst="rect">
@@ -3118,7 +2948,7 @@
             </a:ln>
             <a:extLst>
               <a:ext uri="{C572A759-6A51-4108-AA02-DFA0A04FC94B}">
-                <ma14:wrappingTextBoxFlag xmlns="" xmlns:m="http://schemas.openxmlformats.org/officeDocument/2006/math" xmlns:a14="http://schemas.microsoft.com/office/drawing/2010/main" xmlns:ma14="http://schemas.microsoft.com/office/mac/drawingml/2011/main" val="1"/>
+                <ma14:wrappingTextBoxFlag xmlns:ma14="http://schemas.microsoft.com/office/mac/drawingml/2011/main" xmlns:a14="http://schemas.microsoft.com/office/drawing/2010/main" xmlns:m="http://schemas.openxmlformats.org/officeDocument/2006/math" xmlns="" val="1"/>
               </a:ext>
             </a:extLst>
           </p:spPr>
@@ -3284,8 +3114,8 @@
         </p:nvSpPr>
         <p:spPr>
           <a:xfrm>
-            <a:off x="11880670" y="5016731"/>
-            <a:ext cx="9064532" cy="3546868"/>
+            <a:off x="990397" y="18670495"/>
+            <a:ext cx="9064532" cy="1607876"/>
           </a:xfrm>
           <a:prstGeom prst="rect">
             <a:avLst/>
@@ -3295,7 +3125,7 @@
           </a:ln>
           <a:extLst>
             <a:ext uri="{C572A759-6A51-4108-AA02-DFA0A04FC94B}">
-              <ma14:wrappingTextBoxFlag xmlns="" xmlns:m="http://schemas.openxmlformats.org/officeDocument/2006/math" xmlns:a14="http://schemas.microsoft.com/office/drawing/2010/main" xmlns:ma14="http://schemas.microsoft.com/office/mac/drawingml/2011/main" val="1"/>
+              <ma14:wrappingTextBoxFlag xmlns:ma14="http://schemas.microsoft.com/office/mac/drawingml/2011/main" xmlns:a14="http://schemas.microsoft.com/office/drawing/2010/main" xmlns:m="http://schemas.openxmlformats.org/officeDocument/2006/math" xmlns="" val="1"/>
             </a:ext>
           </a:extLst>
         </p:spPr>
@@ -3331,23 +3161,6 @@
             <a:r>
               <a:rPr lang="en-GB" dirty="0"/>
               <a:t> on output (IP), unemployment (UR), inflation (CPI) and interest rates (FFR). Our sample spans the period from January 1959 through March 2021. </a:t>
-            </a:r>
-          </a:p>
-          <a:p>
-            <a:endParaRPr lang="en-GB" dirty="0"/>
-          </a:p>
-          <a:p>
-            <a:r>
-              <a:rPr lang="en-GB" dirty="0"/>
-              <a:t>Our findings show a </a:t>
-            </a:r>
-            <a:r>
-              <a:rPr lang="en-GB" b="1" dirty="0"/>
-              <a:t>consistent and significant improvement in predictive performance</a:t>
-            </a:r>
-            <a:r>
-              <a:rPr lang="en-GB" dirty="0"/>
-              <a:t>: the Deep VAR incurs much lower loss than the conventional benchmark. It also outperforms other popular approaches that address non-linearity (Threshold VAR and Random Forest).</a:t>
             </a:r>
           </a:p>
         </p:txBody>
@@ -3452,7 +3265,7 @@
             </a:ln>
             <a:extLst>
               <a:ext uri="{C572A759-6A51-4108-AA02-DFA0A04FC94B}">
-                <ma14:wrappingTextBoxFlag xmlns="" xmlns:m="http://schemas.openxmlformats.org/officeDocument/2006/math" xmlns:a14="http://schemas.microsoft.com/office/drawing/2010/main" xmlns:ma14="http://schemas.microsoft.com/office/mac/drawingml/2011/main" val="1"/>
+                <ma14:wrappingTextBoxFlag xmlns:ma14="http://schemas.microsoft.com/office/mac/drawingml/2011/main" xmlns:a14="http://schemas.microsoft.com/office/drawing/2010/main" xmlns:m="http://schemas.openxmlformats.org/officeDocument/2006/math" xmlns="" val="1"/>
               </a:ext>
             </a:extLst>
           </p:spPr>
@@ -3476,7 +3289,7 @@
             <a:p>
               <a:r>
                 <a:rPr lang="en-GB" dirty="0"/>
-                <a:t>Figure 3: Pseudo out-of-sample RMSE and RMSFE for VAR and Deep VAR across different lag choices.</a:t>
+                <a:t>Figure 4:: Pseudo out-of-sample RMSE and RMSFE for VAR and Deep VAR across different lag choices.</a:t>
               </a:r>
             </a:p>
           </p:txBody>
@@ -3507,7 +3320,7 @@
           </a:ln>
           <a:extLst>
             <a:ext uri="{C572A759-6A51-4108-AA02-DFA0A04FC94B}">
-              <ma14:wrappingTextBoxFlag xmlns="" xmlns:m="http://schemas.openxmlformats.org/officeDocument/2006/math" xmlns:a14="http://schemas.microsoft.com/office/drawing/2010/main" xmlns:ma14="http://schemas.microsoft.com/office/mac/drawingml/2011/main" val="1"/>
+              <ma14:wrappingTextBoxFlag xmlns:ma14="http://schemas.microsoft.com/office/mac/drawingml/2011/main" xmlns:a14="http://schemas.microsoft.com/office/drawing/2010/main" xmlns:m="http://schemas.openxmlformats.org/officeDocument/2006/math" xmlns="" val="1"/>
             </a:ext>
           </a:extLst>
         </p:spPr>
@@ -3559,7 +3372,7 @@
           </a:ln>
           <a:extLst>
             <a:ext uri="{C572A759-6A51-4108-AA02-DFA0A04FC94B}">
-              <ma14:wrappingTextBoxFlag xmlns="" xmlns:m="http://schemas.openxmlformats.org/officeDocument/2006/math" xmlns:a14="http://schemas.microsoft.com/office/drawing/2010/main" xmlns:ma14="http://schemas.microsoft.com/office/mac/drawingml/2011/main" val="1"/>
+              <ma14:wrappingTextBoxFlag xmlns:ma14="http://schemas.microsoft.com/office/mac/drawingml/2011/main" xmlns:a14="http://schemas.microsoft.com/office/drawing/2010/main" xmlns:m="http://schemas.openxmlformats.org/officeDocument/2006/math" xmlns="" val="1"/>
             </a:ext>
           </a:extLst>
         </p:spPr>
@@ -3586,71 +3399,6 @@
           </a:p>
         </p:txBody>
       </p:sp>
-      <p:sp>
-        <p:nvSpPr>
-          <p:cNvPr id="60" name="TextBox 41">
-            <a:extLst>
-              <a:ext uri="{FF2B5EF4-FFF2-40B4-BE49-F238E27FC236}">
-                <a16:creationId xmlns:a16="http://schemas.microsoft.com/office/drawing/2014/main" id="{4DA948AF-667B-894A-8E0D-039A5155A01D}"/>
-              </a:ext>
-            </a:extLst>
-          </p:cNvPr>
-          <p:cNvSpPr txBox="1"/>
-          <p:nvPr/>
-        </p:nvSpPr>
-        <p:spPr>
-          <a:xfrm>
-            <a:off x="11910901" y="15468186"/>
-            <a:ext cx="9130938" cy="1607876"/>
-          </a:xfrm>
-          <a:prstGeom prst="rect">
-            <a:avLst/>
-          </a:prstGeom>
-          <a:ln w="12700">
-            <a:miter lim="400000"/>
-          </a:ln>
-          <a:extLst>
-            <a:ext uri="{C572A759-6A51-4108-AA02-DFA0A04FC94B}">
-              <ma14:wrappingTextBoxFlag xmlns="" xmlns:m="http://schemas.openxmlformats.org/officeDocument/2006/math" xmlns:a14="http://schemas.microsoft.com/office/drawing/2010/main" xmlns:ma14="http://schemas.microsoft.com/office/mac/drawingml/2011/main" val="1"/>
-            </a:ext>
-          </a:extLst>
-        </p:spPr>
-        <p:txBody>
-          <a:bodyPr lIns="45719" rIns="45719">
-            <a:spAutoFit/>
-          </a:bodyPr>
-          <a:lstStyle>
-            <a:lvl1pPr>
-              <a:lnSpc>
-                <a:spcPct val="120000"/>
-              </a:lnSpc>
-              <a:defRPr sz="2100">
-                <a:solidFill>
-                  <a:srgbClr val="344854"/>
-                </a:solidFill>
-                <a:latin typeface="Arial"/>
-                <a:ea typeface="Arial"/>
-                <a:cs typeface="Arial"/>
-                <a:sym typeface="Arial"/>
-              </a:defRPr>
-            </a:lvl1pPr>
-          </a:lstStyle>
-          <a:p>
-            <a:r>
-              <a:rPr lang="en-GB" dirty="0"/>
-              <a:t>We also test model performance with respect to a test sample: future realizations arrive and we compute 1-step ahead predictions without retraining (Table 1). In the paper, we also present evidence that the Deep VAR outperforms on </a:t>
-            </a:r>
-            <a:r>
-              <a:rPr lang="en-GB" i="1" dirty="0"/>
-              <a:t>n</a:t>
-            </a:r>
-            <a:r>
-              <a:rPr lang="en-GB" dirty="0"/>
-              <a:t>-step ahead forecasts.</a:t>
-            </a:r>
-          </a:p>
-        </p:txBody>
-      </p:sp>
       <p:grpSp>
         <p:nvGrpSpPr>
           <p:cNvPr id="7" name="Group 6">
@@ -3665,10 +3413,10 @@
         </p:nvGrpSpPr>
         <p:grpSpPr>
           <a:xfrm>
-            <a:off x="11944349" y="17444427"/>
-            <a:ext cx="9029701" cy="2999922"/>
+            <a:off x="11718996" y="11774941"/>
+            <a:ext cx="9029701" cy="2997491"/>
             <a:chOff x="11545131" y="17529970"/>
-            <a:chExt cx="9029701" cy="2999922"/>
+            <a:chExt cx="9029701" cy="2997491"/>
           </a:xfrm>
           <a:effectLst>
             <a:outerShdw blurRad="50800" dist="38100" dir="2700000" algn="tl" rotWithShape="0">
@@ -3728,7 +3476,7 @@
           </p:nvSpPr>
           <p:spPr>
             <a:xfrm>
-              <a:off x="11545131" y="20237504"/>
+              <a:off x="11545131" y="20235073"/>
               <a:ext cx="9029701" cy="292388"/>
             </a:xfrm>
             <a:prstGeom prst="rect">
@@ -3739,7 +3487,7 @@
             </a:ln>
             <a:extLst>
               <a:ext uri="{C572A759-6A51-4108-AA02-DFA0A04FC94B}">
-                <ma14:wrappingTextBoxFlag xmlns="" xmlns:m="http://schemas.openxmlformats.org/officeDocument/2006/math" xmlns:a14="http://schemas.microsoft.com/office/drawing/2010/main" xmlns:ma14="http://schemas.microsoft.com/office/mac/drawingml/2011/main" val="1"/>
+                <ma14:wrappingTextBoxFlag xmlns:ma14="http://schemas.microsoft.com/office/mac/drawingml/2011/main" xmlns:a14="http://schemas.microsoft.com/office/drawing/2010/main" xmlns:m="http://schemas.openxmlformats.org/officeDocument/2006/math" xmlns="" val="1"/>
               </a:ext>
             </a:extLst>
           </p:spPr>
@@ -3771,58 +3519,6 @@
       </p:grpSp>
       <p:sp>
         <p:nvSpPr>
-          <p:cNvPr id="62" name="TextBox 52">
-            <a:extLst>
-              <a:ext uri="{FF2B5EF4-FFF2-40B4-BE49-F238E27FC236}">
-                <a16:creationId xmlns:a16="http://schemas.microsoft.com/office/drawing/2014/main" id="{1AA8DC66-B998-B54A-AF2C-D1C9CF8BDE77}"/>
-              </a:ext>
-            </a:extLst>
-          </p:cNvPr>
-          <p:cNvSpPr txBox="1"/>
-          <p:nvPr/>
-        </p:nvSpPr>
-        <p:spPr>
-          <a:xfrm>
-            <a:off x="22830664" y="14440616"/>
-            <a:ext cx="9029701" cy="415498"/>
-          </a:xfrm>
-          <a:prstGeom prst="rect">
-            <a:avLst/>
-          </a:prstGeom>
-          <a:ln w="12700">
-            <a:miter lim="400000"/>
-          </a:ln>
-          <a:extLst>
-            <a:ext uri="{C572A759-6A51-4108-AA02-DFA0A04FC94B}">
-              <ma14:wrappingTextBoxFlag xmlns="" xmlns:m="http://schemas.openxmlformats.org/officeDocument/2006/math" xmlns:a14="http://schemas.microsoft.com/office/drawing/2010/main" xmlns:ma14="http://schemas.microsoft.com/office/mac/drawingml/2011/main" val="1"/>
-            </a:ext>
-          </a:extLst>
-        </p:spPr>
-        <p:txBody>
-          <a:bodyPr lIns="45719" rIns="45719">
-            <a:spAutoFit/>
-          </a:bodyPr>
-          <a:lstStyle>
-            <a:lvl1pPr>
-              <a:defRPr sz="2100">
-                <a:latin typeface="Arial"/>
-                <a:ea typeface="Arial"/>
-                <a:cs typeface="Arial"/>
-                <a:sym typeface="Arial"/>
-              </a:defRPr>
-            </a:lvl1pPr>
-          </a:lstStyle>
-          <a:p>
-            <a:r>
-              <a:rPr lang="en-US" dirty="0"/>
-              <a:t>Open questions</a:t>
-            </a:r>
-            <a:endParaRPr dirty="0"/>
-          </a:p>
-        </p:txBody>
-      </p:sp>
-      <p:sp>
-        <p:nvSpPr>
           <p:cNvPr id="63" name="TextBox 41">
             <a:extLst>
               <a:ext uri="{FF2B5EF4-FFF2-40B4-BE49-F238E27FC236}">
@@ -3835,8 +3531,8 @@
         </p:nvSpPr>
         <p:spPr>
           <a:xfrm>
-            <a:off x="22828647" y="12448854"/>
-            <a:ext cx="9130938" cy="1607876"/>
+            <a:off x="22829601" y="12602033"/>
+            <a:ext cx="9130938" cy="4322465"/>
           </a:xfrm>
           <a:prstGeom prst="rect">
             <a:avLst/>
@@ -3846,7 +3542,7 @@
           </a:ln>
           <a:extLst>
             <a:ext uri="{C572A759-6A51-4108-AA02-DFA0A04FC94B}">
-              <ma14:wrappingTextBoxFlag xmlns="" xmlns:m="http://schemas.openxmlformats.org/officeDocument/2006/math" xmlns:a14="http://schemas.microsoft.com/office/drawing/2010/main" xmlns:ma14="http://schemas.microsoft.com/office/mac/drawingml/2011/main" val="1"/>
+              <ma14:wrappingTextBoxFlag xmlns:ma14="http://schemas.microsoft.com/office/mac/drawingml/2011/main" xmlns:a14="http://schemas.microsoft.com/office/drawing/2010/main" xmlns:m="http://schemas.openxmlformats.org/officeDocument/2006/math" xmlns="" val="1"/>
             </a:ext>
           </a:extLst>
         </p:spPr>
@@ -3877,7 +3573,23 @@
             </a:pPr>
             <a:r>
               <a:rPr lang="en-GB" dirty="0"/>
-              <a:t>We have added Threshold VAR for comparison (Figure 2).</a:t>
+              <a:t>From deterministic to </a:t>
+            </a:r>
+            <a:r>
+              <a:rPr lang="en-GB" b="1" dirty="0"/>
+              <a:t>Bayesian deep learning</a:t>
+            </a:r>
+            <a:r>
+              <a:rPr lang="en-GB" dirty="0"/>
+              <a:t>: this should aid with </a:t>
+            </a:r>
+            <a:r>
+              <a:rPr lang="en-GB" b="1" dirty="0"/>
+              <a:t>interpretability and uncertainty quantification</a:t>
+            </a:r>
+            <a:r>
+              <a:rPr lang="en-GB" dirty="0"/>
+              <a:t>. </a:t>
             </a:r>
           </a:p>
           <a:p>
@@ -3887,23 +3599,7 @@
             </a:pPr>
             <a:r>
               <a:rPr lang="en-GB" dirty="0"/>
-              <a:t>Progress on </a:t>
-            </a:r>
-            <a:r>
-              <a:rPr lang="en-GB" b="1" dirty="0"/>
-              <a:t>uncertainty quantification </a:t>
-            </a:r>
-            <a:r>
-              <a:rPr lang="en-GB" dirty="0"/>
-              <a:t>through Bayesian deep learning – MC dropout (Gal and </a:t>
-            </a:r>
-            <a:r>
-              <a:rPr lang="en-GB" dirty="0" err="1"/>
-              <a:t>Ghahramani</a:t>
-            </a:r>
-            <a:r>
-              <a:rPr lang="en-GB" dirty="0"/>
-              <a:t> 2016). Recent work by </a:t>
+              <a:t>Recent work by </a:t>
             </a:r>
             <a:r>
               <a:rPr lang="en-GB" dirty="0" err="1"/>
@@ -3911,8 +3607,84 @@
             </a:r>
             <a:r>
               <a:rPr lang="en-GB" dirty="0"/>
-              <a:t> et al. (2021) shows that Laplace Approximation is a promising way forward.</a:t>
-            </a:r>
+              <a:t> et al. (2021) shows that </a:t>
+            </a:r>
+            <a:r>
+              <a:rPr lang="en-GB" b="1" dirty="0"/>
+              <a:t>Laplace Approximation </a:t>
+            </a:r>
+            <a:r>
+              <a:rPr lang="en-GB" dirty="0"/>
+              <a:t>is a promising way forward.</a:t>
+            </a:r>
+          </a:p>
+          <a:p>
+            <a:pPr marL="342900" indent="-342900">
+              <a:buFont typeface="Arial" panose="020B0604020202020204" pitchFamily="34" charset="0"/>
+              <a:buChar char="•"/>
+            </a:pPr>
+            <a:r>
+              <a:rPr lang="en-US" dirty="0"/>
+              <a:t>Can the existing toolbox (IRFs, variance decomposition, policy counterfactuals, …) be derived for Deep VAR?</a:t>
+            </a:r>
+            <a:endParaRPr lang="en-GB" dirty="0"/>
+          </a:p>
+          <a:p>
+            <a:pPr marL="342900" indent="-342900">
+              <a:buFont typeface="Arial" panose="020B0604020202020204" pitchFamily="34" charset="0"/>
+              <a:buChar char="•"/>
+            </a:pPr>
+            <a:r>
+              <a:rPr lang="en-US" dirty="0"/>
+              <a:t>Add </a:t>
+            </a:r>
+            <a:r>
+              <a:rPr lang="en-US" b="1" dirty="0"/>
+              <a:t>other benchmark models.</a:t>
+            </a:r>
+          </a:p>
+          <a:p>
+            <a:pPr marL="342900" indent="-342900">
+              <a:buFont typeface="Arial" panose="020B0604020202020204" pitchFamily="34" charset="0"/>
+              <a:buChar char="•"/>
+            </a:pPr>
+            <a:r>
+              <a:rPr lang="en-US" b="1" dirty="0"/>
+              <a:t>Structural identification </a:t>
+            </a:r>
+            <a:r>
+              <a:rPr lang="en-US" dirty="0"/>
+              <a:t>– how to proceed? </a:t>
+            </a:r>
+            <a:r>
+              <a:rPr lang="en-US" dirty="0" err="1"/>
+              <a:t>Verstyuk</a:t>
+            </a:r>
+            <a:r>
+              <a:rPr lang="en-US" dirty="0"/>
+              <a:t> (2020) works with Cholesky decomposition as in conventional VAR.</a:t>
+            </a:r>
+          </a:p>
+          <a:p>
+            <a:pPr marL="342900" indent="-342900">
+              <a:buFont typeface="Arial" panose="020B0604020202020204" pitchFamily="34" charset="0"/>
+              <a:buChar char="•"/>
+            </a:pPr>
+            <a:r>
+              <a:rPr lang="en-US" dirty="0"/>
+              <a:t>Deep VAR as a monitoring </a:t>
+            </a:r>
+            <a:r>
+              <a:rPr lang="en-US" b="1" dirty="0"/>
+              <a:t>tool for detecting non-linearities</a:t>
+            </a:r>
+            <a:r>
+              <a:rPr lang="en-US" dirty="0"/>
+              <a:t>?</a:t>
+            </a:r>
+          </a:p>
+          <a:p>
+            <a:endParaRPr lang="en-GB" dirty="0"/>
           </a:p>
         </p:txBody>
       </p:sp>
@@ -3952,6 +3724,266 @@
           </a:prstGeom>
         </p:spPr>
       </p:pic>
+      <p:pic>
+        <p:nvPicPr>
+          <p:cNvPr id="9" name="Picture 8">
+            <a:extLst>
+              <a:ext uri="{FF2B5EF4-FFF2-40B4-BE49-F238E27FC236}">
+                <a16:creationId xmlns:a16="http://schemas.microsoft.com/office/drawing/2014/main" id="{E24A2903-1622-64AB-813E-E23F1008C33C}"/>
+              </a:ext>
+            </a:extLst>
+          </p:cNvPr>
+          <p:cNvPicPr>
+            <a:picLocks noChangeAspect="1"/>
+          </p:cNvPicPr>
+          <p:nvPr/>
+        </p:nvPicPr>
+        <p:blipFill>
+          <a:blip r:embed="rId11">
+            <a:extLst>
+              <a:ext uri="{28A0092B-C50C-407E-A947-70E740481C1C}">
+                <a14:useLocalDpi xmlns:a14="http://schemas.microsoft.com/office/drawing/2010/main" val="0"/>
+              </a:ext>
+            </a:extLst>
+          </a:blip>
+          <a:stretch>
+            <a:fillRect/>
+          </a:stretch>
+        </p:blipFill>
+        <p:spPr>
+          <a:xfrm>
+            <a:off x="11916491" y="15900025"/>
+            <a:ext cx="9085418" cy="4542709"/>
+          </a:xfrm>
+          <a:prstGeom prst="rect">
+            <a:avLst/>
+          </a:prstGeom>
+          <a:effectLst>
+            <a:outerShdw blurRad="50800" dist="38100" dir="2700000" algn="tl" rotWithShape="0">
+              <a:schemeClr val="accent1">
+                <a:alpha val="40000"/>
+              </a:schemeClr>
+            </a:outerShdw>
+          </a:effectLst>
+        </p:spPr>
+      </p:pic>
+      <p:sp>
+        <p:nvSpPr>
+          <p:cNvPr id="47" name="TextBox 44">
+            <a:extLst>
+              <a:ext uri="{FF2B5EF4-FFF2-40B4-BE49-F238E27FC236}">
+                <a16:creationId xmlns:a16="http://schemas.microsoft.com/office/drawing/2014/main" id="{F253FC81-ADE7-60E0-D4DB-A51929A68EB3}"/>
+              </a:ext>
+            </a:extLst>
+          </p:cNvPr>
+          <p:cNvSpPr txBox="1"/>
+          <p:nvPr/>
+        </p:nvSpPr>
+        <p:spPr>
+          <a:xfrm>
+            <a:off x="11569629" y="3535385"/>
+            <a:ext cx="9064533" cy="615553"/>
+          </a:xfrm>
+          <a:prstGeom prst="rect">
+            <a:avLst/>
+          </a:prstGeom>
+          <a:ln w="12700">
+            <a:miter lim="400000"/>
+          </a:ln>
+          <a:extLst>
+            <a:ext uri="{C572A759-6A51-4108-AA02-DFA0A04FC94B}">
+              <ma14:wrappingTextBoxFlag xmlns:ma14="http://schemas.microsoft.com/office/mac/drawingml/2011/main" xmlns:a14="http://schemas.microsoft.com/office/drawing/2010/main" xmlns:m="http://schemas.openxmlformats.org/officeDocument/2006/math" xmlns="" val="1"/>
+            </a:ext>
+          </a:extLst>
+        </p:spPr>
+        <p:txBody>
+          <a:bodyPr lIns="45719" rIns="45719">
+            <a:spAutoFit/>
+          </a:bodyPr>
+          <a:lstStyle>
+            <a:lvl1pPr>
+              <a:defRPr sz="2100">
+                <a:latin typeface="Arial"/>
+                <a:ea typeface="Arial"/>
+                <a:cs typeface="Arial"/>
+                <a:sym typeface="Arial"/>
+              </a:defRPr>
+            </a:lvl1pPr>
+          </a:lstStyle>
+          <a:p>
+            <a:r>
+              <a:rPr lang="en-US" sz="3400" dirty="0"/>
+              <a:t>Significantly reduced in-sample error …</a:t>
+            </a:r>
+            <a:endParaRPr sz="3400" dirty="0"/>
+          </a:p>
+        </p:txBody>
+      </p:sp>
+      <p:sp>
+        <p:nvSpPr>
+          <p:cNvPr id="51" name="TextBox 44">
+            <a:extLst>
+              <a:ext uri="{FF2B5EF4-FFF2-40B4-BE49-F238E27FC236}">
+                <a16:creationId xmlns:a16="http://schemas.microsoft.com/office/drawing/2014/main" id="{2F70B15A-FE4D-033C-9B12-43DD39A23535}"/>
+              </a:ext>
+            </a:extLst>
+          </p:cNvPr>
+          <p:cNvSpPr txBox="1"/>
+          <p:nvPr/>
+        </p:nvSpPr>
+        <p:spPr>
+          <a:xfrm>
+            <a:off x="11569629" y="10934259"/>
+            <a:ext cx="9064533" cy="615553"/>
+          </a:xfrm>
+          <a:prstGeom prst="rect">
+            <a:avLst/>
+          </a:prstGeom>
+          <a:ln w="12700">
+            <a:miter lim="400000"/>
+          </a:ln>
+          <a:extLst>
+            <a:ext uri="{C572A759-6A51-4108-AA02-DFA0A04FC94B}">
+              <ma14:wrappingTextBoxFlag xmlns:ma14="http://schemas.microsoft.com/office/mac/drawingml/2011/main" xmlns:a14="http://schemas.microsoft.com/office/drawing/2010/main" xmlns:m="http://schemas.openxmlformats.org/officeDocument/2006/math" xmlns="" val="1"/>
+            </a:ext>
+          </a:extLst>
+        </p:spPr>
+        <p:txBody>
+          <a:bodyPr lIns="45719" rIns="45719">
+            <a:spAutoFit/>
+          </a:bodyPr>
+          <a:lstStyle>
+            <a:lvl1pPr>
+              <a:defRPr sz="2100">
+                <a:latin typeface="Arial"/>
+                <a:ea typeface="Arial"/>
+                <a:cs typeface="Arial"/>
+                <a:sym typeface="Arial"/>
+              </a:defRPr>
+            </a:lvl1pPr>
+          </a:lstStyle>
+          <a:p>
+            <a:r>
+              <a:rPr lang="en-US" sz="3400" dirty="0"/>
+              <a:t>… out-of-sample error …</a:t>
+            </a:r>
+            <a:endParaRPr sz="3400" dirty="0"/>
+          </a:p>
+        </p:txBody>
+      </p:sp>
+      <p:sp>
+        <p:nvSpPr>
+          <p:cNvPr id="52" name="TextBox 44">
+            <a:extLst>
+              <a:ext uri="{FF2B5EF4-FFF2-40B4-BE49-F238E27FC236}">
+                <a16:creationId xmlns:a16="http://schemas.microsoft.com/office/drawing/2014/main" id="{86B50845-4E5D-73AE-1A96-FBE8E139586C}"/>
+              </a:ext>
+            </a:extLst>
+          </p:cNvPr>
+          <p:cNvSpPr txBox="1"/>
+          <p:nvPr/>
+        </p:nvSpPr>
+        <p:spPr>
+          <a:xfrm>
+            <a:off x="11569628" y="15109127"/>
+            <a:ext cx="9064533" cy="615553"/>
+          </a:xfrm>
+          <a:prstGeom prst="rect">
+            <a:avLst/>
+          </a:prstGeom>
+          <a:ln w="12700">
+            <a:miter lim="400000"/>
+          </a:ln>
+          <a:extLst>
+            <a:ext uri="{C572A759-6A51-4108-AA02-DFA0A04FC94B}">
+              <ma14:wrappingTextBoxFlag xmlns:ma14="http://schemas.microsoft.com/office/mac/drawingml/2011/main" xmlns:a14="http://schemas.microsoft.com/office/drawing/2010/main" xmlns:m="http://schemas.openxmlformats.org/officeDocument/2006/math" xmlns="" val="1"/>
+            </a:ext>
+          </a:extLst>
+        </p:spPr>
+        <p:txBody>
+          <a:bodyPr lIns="45719" rIns="45719">
+            <a:spAutoFit/>
+          </a:bodyPr>
+          <a:lstStyle>
+            <a:lvl1pPr>
+              <a:defRPr sz="2100">
+                <a:latin typeface="Arial"/>
+                <a:ea typeface="Arial"/>
+                <a:cs typeface="Arial"/>
+                <a:sym typeface="Arial"/>
+              </a:defRPr>
+            </a:lvl1pPr>
+          </a:lstStyle>
+          <a:p>
+            <a:r>
+              <a:rPr lang="en-US" sz="3400" dirty="0"/>
+              <a:t>… and multi-step-ahead forecasting error.</a:t>
+            </a:r>
+            <a:endParaRPr sz="3400" dirty="0"/>
+          </a:p>
+        </p:txBody>
+      </p:sp>
+      <p:sp>
+        <p:nvSpPr>
+          <p:cNvPr id="53" name="TextBox 56">
+            <a:extLst>
+              <a:ext uri="{FF2B5EF4-FFF2-40B4-BE49-F238E27FC236}">
+                <a16:creationId xmlns:a16="http://schemas.microsoft.com/office/drawing/2014/main" id="{9B49D077-88CA-F7FD-1C94-E03E14754653}"/>
+              </a:ext>
+            </a:extLst>
+          </p:cNvPr>
+          <p:cNvSpPr txBox="1"/>
+          <p:nvPr/>
+        </p:nvSpPr>
+        <p:spPr>
+          <a:xfrm>
+            <a:off x="11885197" y="20471885"/>
+            <a:ext cx="9029701" cy="292388"/>
+          </a:xfrm>
+          <a:prstGeom prst="rect">
+            <a:avLst/>
+          </a:prstGeom>
+          <a:ln w="12700">
+            <a:miter lim="400000"/>
+          </a:ln>
+          <a:effectLst>
+            <a:outerShdw blurRad="50800" dist="38100" dir="2700000" algn="tl" rotWithShape="0">
+              <a:prstClr val="black">
+                <a:alpha val="40000"/>
+              </a:prstClr>
+            </a:outerShdw>
+          </a:effectLst>
+          <a:extLst>
+            <a:ext uri="{C572A759-6A51-4108-AA02-DFA0A04FC94B}">
+              <ma14:wrappingTextBoxFlag xmlns:ma14="http://schemas.microsoft.com/office/mac/drawingml/2011/main" xmlns:a14="http://schemas.microsoft.com/office/drawing/2010/main" xmlns:m="http://schemas.openxmlformats.org/officeDocument/2006/math" xmlns="" val="1"/>
+            </a:ext>
+          </a:extLst>
+        </p:spPr>
+        <p:txBody>
+          <a:bodyPr lIns="45719" rIns="45719">
+            <a:spAutoFit/>
+          </a:bodyPr>
+          <a:lstStyle>
+            <a:lvl1pPr algn="ctr">
+              <a:defRPr sz="1300">
+                <a:solidFill>
+                  <a:srgbClr val="344854"/>
+                </a:solidFill>
+                <a:latin typeface="Arial"/>
+                <a:ea typeface="Arial"/>
+                <a:cs typeface="Arial"/>
+                <a:sym typeface="Arial"/>
+              </a:defRPr>
+            </a:lvl1pPr>
+          </a:lstStyle>
+          <a:p>
+            <a:r>
+              <a:rPr lang="en-GB" dirty="0"/>
+              <a:t>Figure 3: Cumulative rolling-window forecasting error for the 1-month and 3-month horizon.</a:t>
+            </a:r>
+          </a:p>
+        </p:txBody>
+      </p:sp>
     </p:spTree>
   </p:cSld>
   <p:clrMapOvr>

--- a/poster/poster_small.pptx
+++ b/poster/poster_small.pptx
@@ -700,7 +700,7 @@
           </a:ln>
           <a:extLst>
             <a:ext uri="{C572A759-6A51-4108-AA02-DFA0A04FC94B}">
-              <ma14:wrappingTextBoxFlag xmlns:ma14="http://schemas.microsoft.com/office/mac/drawingml/2011/main" xmlns:a14="http://schemas.microsoft.com/office/drawing/2010/main" xmlns:m="http://schemas.openxmlformats.org/officeDocument/2006/math" xmlns="" val="1"/>
+              <ma14:wrappingTextBoxFlag xmlns="" xmlns:m="http://schemas.openxmlformats.org/officeDocument/2006/math" xmlns:a14="http://schemas.microsoft.com/office/drawing/2010/main" xmlns:ma14="http://schemas.microsoft.com/office/mac/drawingml/2011/main" val="1"/>
             </a:ext>
           </a:extLst>
         </p:spPr>
@@ -737,7 +737,7 @@
           </a:ln>
           <a:extLst>
             <a:ext uri="{C572A759-6A51-4108-AA02-DFA0A04FC94B}">
-              <ma14:wrappingTextBoxFlag xmlns:ma14="http://schemas.microsoft.com/office/mac/drawingml/2011/main" xmlns:a14="http://schemas.microsoft.com/office/drawing/2010/main" xmlns:m="http://schemas.openxmlformats.org/officeDocument/2006/math" xmlns="" val="1"/>
+              <ma14:wrappingTextBoxFlag xmlns="" xmlns:m="http://schemas.openxmlformats.org/officeDocument/2006/math" xmlns:a14="http://schemas.microsoft.com/office/drawing/2010/main" xmlns:ma14="http://schemas.microsoft.com/office/mac/drawingml/2011/main" val="1"/>
             </a:ext>
           </a:extLst>
         </p:spPr>
@@ -1581,7 +1581,7 @@
           </a:ln>
           <a:extLst>
             <a:ext uri="{C572A759-6A51-4108-AA02-DFA0A04FC94B}">
-              <ma14:wrappingTextBoxFlag xmlns:ma14="http://schemas.microsoft.com/office/mac/drawingml/2011/main" xmlns:a14="http://schemas.microsoft.com/office/drawing/2010/main" xmlns:m="http://schemas.openxmlformats.org/officeDocument/2006/math" xmlns="" val="1"/>
+              <ma14:wrappingTextBoxFlag xmlns="" xmlns:m="http://schemas.openxmlformats.org/officeDocument/2006/math" xmlns:a14="http://schemas.microsoft.com/office/drawing/2010/main" xmlns:ma14="http://schemas.microsoft.com/office/mac/drawingml/2011/main" val="1"/>
             </a:ext>
           </a:extLst>
         </p:spPr>
@@ -1626,7 +1626,7 @@
           </a:ln>
           <a:extLst>
             <a:ext uri="{C572A759-6A51-4108-AA02-DFA0A04FC94B}">
-              <ma14:wrappingTextBoxFlag xmlns:ma14="http://schemas.microsoft.com/office/mac/drawingml/2011/main" xmlns:a14="http://schemas.microsoft.com/office/drawing/2010/main" xmlns:m="http://schemas.openxmlformats.org/officeDocument/2006/math" xmlns="" val="1"/>
+              <ma14:wrappingTextBoxFlag xmlns="" xmlns:m="http://schemas.openxmlformats.org/officeDocument/2006/math" xmlns:a14="http://schemas.microsoft.com/office/drawing/2010/main" xmlns:ma14="http://schemas.microsoft.com/office/mac/drawingml/2011/main" val="1"/>
             </a:ext>
           </a:extLst>
         </p:spPr>
@@ -1672,7 +1672,7 @@
           </a:ln>
           <a:extLst>
             <a:ext uri="{C572A759-6A51-4108-AA02-DFA0A04FC94B}">
-              <ma14:wrappingTextBoxFlag xmlns:ma14="http://schemas.microsoft.com/office/mac/drawingml/2011/main" xmlns:a14="http://schemas.microsoft.com/office/drawing/2010/main" xmlns:m="http://schemas.openxmlformats.org/officeDocument/2006/math" xmlns="" val="1"/>
+              <ma14:wrappingTextBoxFlag xmlns="" xmlns:m="http://schemas.openxmlformats.org/officeDocument/2006/math" xmlns:a14="http://schemas.microsoft.com/office/drawing/2010/main" xmlns:ma14="http://schemas.microsoft.com/office/mac/drawingml/2011/main" val="1"/>
             </a:ext>
           </a:extLst>
         </p:spPr>
@@ -1707,7 +1707,7 @@
             </a:r>
             <a:r>
               <a:rPr lang="en-GB" dirty="0"/>
-              <a:t>: a novel approach towards VAR that leverages the power of deep learning in order to model non-linear relationships. </a:t>
+              <a:t>: an approach towards VAR that leverages the power of deep learning in order to model non-linear relationships. </a:t>
             </a:r>
           </a:p>
         </p:txBody>
@@ -1731,7 +1731,7 @@
           </a:ln>
           <a:extLst>
             <a:ext uri="{C572A759-6A51-4108-AA02-DFA0A04FC94B}">
-              <ma14:wrappingTextBoxFlag xmlns:ma14="http://schemas.microsoft.com/office/mac/drawingml/2011/main" xmlns:a14="http://schemas.microsoft.com/office/drawing/2010/main" xmlns:m="http://schemas.openxmlformats.org/officeDocument/2006/math" xmlns="" val="1"/>
+              <ma14:wrappingTextBoxFlag xmlns="" xmlns:m="http://schemas.openxmlformats.org/officeDocument/2006/math" xmlns:a14="http://schemas.microsoft.com/office/drawing/2010/main" xmlns:ma14="http://schemas.microsoft.com/office/mac/drawingml/2011/main" val="1"/>
             </a:ext>
           </a:extLst>
         </p:spPr>
@@ -1782,7 +1782,7 @@
           </a:ln>
           <a:extLst>
             <a:ext uri="{C572A759-6A51-4108-AA02-DFA0A04FC94B}">
-              <ma14:wrappingTextBoxFlag xmlns:ma14="http://schemas.microsoft.com/office/mac/drawingml/2011/main" xmlns:a14="http://schemas.microsoft.com/office/drawing/2010/main" xmlns:m="http://schemas.openxmlformats.org/officeDocument/2006/math" xmlns="" val="1"/>
+              <ma14:wrappingTextBoxFlag xmlns="" xmlns:m="http://schemas.openxmlformats.org/officeDocument/2006/math" xmlns:a14="http://schemas.microsoft.com/office/drawing/2010/main" xmlns:ma14="http://schemas.microsoft.com/office/mac/drawingml/2011/main" val="1"/>
             </a:ext>
           </a:extLst>
         </p:spPr>
@@ -1811,7 +1811,7 @@
             </a:pPr>
             <a:r>
               <a:rPr lang="en-US" dirty="0"/>
-              <a:t>Simple methodology close in spirit to conventional benchmark</a:t>
+              <a:t>Simple methodology close in spirit to conventional benchmark.</a:t>
             </a:r>
             <a:endParaRPr dirty="0"/>
           </a:p>
@@ -1835,7 +1835,7 @@
             </a:pPr>
             <a:r>
               <a:rPr lang="en-US" dirty="0"/>
-              <a:t>Significant improvement in predictive performance</a:t>
+              <a:t>Significant improvement in predictive performance.</a:t>
             </a:r>
             <a:endParaRPr dirty="0"/>
           </a:p>
@@ -1869,7 +1869,7 @@
             </a:r>
             <a:r>
               <a:rPr lang="en-US" dirty="0"/>
-              <a:t> to facilitate reproducibility</a:t>
+              <a:t> to facilitate reproducibility.</a:t>
             </a:r>
             <a:endParaRPr dirty="0"/>
           </a:p>
@@ -1894,7 +1894,7 @@
           </a:ln>
           <a:extLst>
             <a:ext uri="{C572A759-6A51-4108-AA02-DFA0A04FC94B}">
-              <ma14:wrappingTextBoxFlag xmlns:ma14="http://schemas.microsoft.com/office/mac/drawingml/2011/main" xmlns:a14="http://schemas.microsoft.com/office/drawing/2010/main" xmlns:m="http://schemas.openxmlformats.org/officeDocument/2006/math" xmlns="" val="1"/>
+              <ma14:wrappingTextBoxFlag xmlns="" xmlns:m="http://schemas.openxmlformats.org/officeDocument/2006/math" xmlns:a14="http://schemas.microsoft.com/office/drawing/2010/main" xmlns:ma14="http://schemas.microsoft.com/office/mac/drawingml/2011/main" val="1"/>
             </a:ext>
           </a:extLst>
         </p:spPr>
@@ -1940,7 +1940,7 @@
           </a:ln>
           <a:extLst>
             <a:ext uri="{C572A759-6A51-4108-AA02-DFA0A04FC94B}">
-              <ma14:wrappingTextBoxFlag xmlns:ma14="http://schemas.microsoft.com/office/mac/drawingml/2011/main" xmlns:a14="http://schemas.microsoft.com/office/drawing/2010/main" xmlns:m="http://schemas.openxmlformats.org/officeDocument/2006/math" xmlns="" val="1"/>
+              <ma14:wrappingTextBoxFlag xmlns="" xmlns:m="http://schemas.openxmlformats.org/officeDocument/2006/math" xmlns:a14="http://schemas.microsoft.com/office/drawing/2010/main" xmlns:ma14="http://schemas.microsoft.com/office/mac/drawingml/2011/main" val="1"/>
             </a:ext>
           </a:extLst>
         </p:spPr>
@@ -1986,7 +1986,7 @@
           </a:ln>
           <a:extLst>
             <a:ext uri="{C572A759-6A51-4108-AA02-DFA0A04FC94B}">
-              <ma14:wrappingTextBoxFlag xmlns:ma14="http://schemas.microsoft.com/office/mac/drawingml/2011/main" xmlns:a14="http://schemas.microsoft.com/office/drawing/2010/main" xmlns:m="http://schemas.openxmlformats.org/officeDocument/2006/math" xmlns="" val="1"/>
+              <ma14:wrappingTextBoxFlag xmlns="" xmlns:m="http://schemas.openxmlformats.org/officeDocument/2006/math" xmlns:a14="http://schemas.microsoft.com/office/drawing/2010/main" xmlns:ma14="http://schemas.microsoft.com/office/mac/drawingml/2011/main" val="1"/>
             </a:ext>
           </a:extLst>
         </p:spPr>
@@ -2032,7 +2032,7 @@
           </a:ln>
           <a:extLst>
             <a:ext uri="{C572A759-6A51-4108-AA02-DFA0A04FC94B}">
-              <ma14:wrappingTextBoxFlag xmlns:ma14="http://schemas.microsoft.com/office/mac/drawingml/2011/main" xmlns:a14="http://schemas.microsoft.com/office/drawing/2010/main" xmlns:m="http://schemas.openxmlformats.org/officeDocument/2006/math" xmlns="" val="1"/>
+              <ma14:wrappingTextBoxFlag xmlns="" xmlns:m="http://schemas.openxmlformats.org/officeDocument/2006/math" xmlns:a14="http://schemas.microsoft.com/office/drawing/2010/main" xmlns:ma14="http://schemas.microsoft.com/office/mac/drawingml/2011/main" val="1"/>
             </a:ext>
           </a:extLst>
         </p:spPr>
@@ -2078,7 +2078,7 @@
           </a:ln>
           <a:extLst>
             <a:ext uri="{C572A759-6A51-4108-AA02-DFA0A04FC94B}">
-              <ma14:wrappingTextBoxFlag xmlns:ma14="http://schemas.microsoft.com/office/mac/drawingml/2011/main" xmlns:a14="http://schemas.microsoft.com/office/drawing/2010/main" xmlns:m="http://schemas.openxmlformats.org/officeDocument/2006/math" xmlns="" val="1"/>
+              <ma14:wrappingTextBoxFlag xmlns="" xmlns:m="http://schemas.openxmlformats.org/officeDocument/2006/math" xmlns:a14="http://schemas.microsoft.com/office/drawing/2010/main" xmlns:ma14="http://schemas.microsoft.com/office/mac/drawingml/2011/main" val="1"/>
             </a:ext>
           </a:extLst>
         </p:spPr>
@@ -2153,7 +2153,7 @@
           </a:ln>
           <a:extLst>
             <a:ext uri="{C572A759-6A51-4108-AA02-DFA0A04FC94B}">
-              <ma14:wrappingTextBoxFlag xmlns:ma14="http://schemas.microsoft.com/office/mac/drawingml/2011/main" xmlns:a14="http://schemas.microsoft.com/office/drawing/2010/main" xmlns:m="http://schemas.openxmlformats.org/officeDocument/2006/math" xmlns="" val="1"/>
+              <ma14:wrappingTextBoxFlag xmlns="" xmlns:m="http://schemas.openxmlformats.org/officeDocument/2006/math" xmlns:a14="http://schemas.microsoft.com/office/drawing/2010/main" xmlns:ma14="http://schemas.microsoft.com/office/mac/drawingml/2011/main" val="1"/>
             </a:ext>
           </a:extLst>
         </p:spPr>
@@ -2199,7 +2199,7 @@
           </a:ln>
           <a:extLst>
             <a:ext uri="{C572A759-6A51-4108-AA02-DFA0A04FC94B}">
-              <ma14:wrappingTextBoxFlag xmlns:ma14="http://schemas.microsoft.com/office/mac/drawingml/2011/main" xmlns:a14="http://schemas.microsoft.com/office/drawing/2010/main" xmlns:m="http://schemas.openxmlformats.org/officeDocument/2006/math" xmlns="" val="1"/>
+              <ma14:wrappingTextBoxFlag xmlns="" xmlns:m="http://schemas.openxmlformats.org/officeDocument/2006/math" xmlns:a14="http://schemas.microsoft.com/office/drawing/2010/main" xmlns:ma14="http://schemas.microsoft.com/office/mac/drawingml/2011/main" val="1"/>
             </a:ext>
           </a:extLst>
         </p:spPr>
@@ -2220,7 +2220,7 @@
           <a:p>
             <a:r>
               <a:rPr lang="en-US" dirty="0"/>
-              <a:t>Planned developments</a:t>
+              <a:t>Avenues for future research</a:t>
             </a:r>
             <a:endParaRPr dirty="0"/>
           </a:p>
@@ -2245,7 +2245,7 @@
           </a:ln>
           <a:extLst>
             <a:ext uri="{C572A759-6A51-4108-AA02-DFA0A04FC94B}">
-              <ma14:wrappingTextBoxFlag xmlns:ma14="http://schemas.microsoft.com/office/mac/drawingml/2011/main" xmlns:a14="http://schemas.microsoft.com/office/drawing/2010/main" xmlns:m="http://schemas.openxmlformats.org/officeDocument/2006/math" xmlns="" val="1"/>
+              <ma14:wrappingTextBoxFlag xmlns="" xmlns:m="http://schemas.openxmlformats.org/officeDocument/2006/math" xmlns:a14="http://schemas.microsoft.com/office/drawing/2010/main" xmlns:ma14="http://schemas.microsoft.com/office/mac/drawingml/2011/main" val="1"/>
             </a:ext>
           </a:extLst>
         </p:spPr>
@@ -2297,7 +2297,7 @@
           </a:ln>
           <a:extLst>
             <a:ext uri="{C572A759-6A51-4108-AA02-DFA0A04FC94B}">
-              <ma14:wrappingTextBoxFlag xmlns:ma14="http://schemas.microsoft.com/office/mac/drawingml/2011/main" xmlns:a14="http://schemas.microsoft.com/office/drawing/2010/main" xmlns:m="http://schemas.openxmlformats.org/officeDocument/2006/math" xmlns="" val="1"/>
+              <ma14:wrappingTextBoxFlag xmlns="" xmlns:m="http://schemas.openxmlformats.org/officeDocument/2006/math" xmlns:a14="http://schemas.microsoft.com/office/drawing/2010/main" xmlns:ma14="http://schemas.microsoft.com/office/mac/drawingml/2011/main" val="1"/>
             </a:ext>
           </a:extLst>
         </p:spPr>
@@ -2342,7 +2342,7 @@
           </a:ln>
           <a:extLst>
             <a:ext uri="{C572A759-6A51-4108-AA02-DFA0A04FC94B}">
-              <ma14:wrappingTextBoxFlag xmlns:ma14="http://schemas.microsoft.com/office/mac/drawingml/2011/main" xmlns:a14="http://schemas.microsoft.com/office/drawing/2010/main" xmlns:m="http://schemas.openxmlformats.org/officeDocument/2006/math" xmlns="" val="1"/>
+              <ma14:wrappingTextBoxFlag xmlns="" xmlns:m="http://schemas.openxmlformats.org/officeDocument/2006/math" xmlns:a14="http://schemas.microsoft.com/office/drawing/2010/main" xmlns:ma14="http://schemas.microsoft.com/office/mac/drawingml/2011/main" val="1"/>
             </a:ext>
           </a:extLst>
         </p:spPr>
@@ -2617,7 +2617,7 @@
         <p:spPr>
           <a:xfrm>
             <a:off x="17483356" y="784521"/>
-            <a:ext cx="6744281" cy="1641475"/>
+            <a:ext cx="9715180" cy="1641475"/>
           </a:xfrm>
           <a:prstGeom prst="rect">
             <a:avLst/>
@@ -2627,7 +2627,7 @@
           </a:ln>
           <a:extLst>
             <a:ext uri="{C572A759-6A51-4108-AA02-DFA0A04FC94B}">
-              <ma14:wrappingTextBoxFlag xmlns:ma14="http://schemas.microsoft.com/office/mac/drawingml/2011/main" xmlns:a14="http://schemas.microsoft.com/office/drawing/2010/main" xmlns:m="http://schemas.openxmlformats.org/officeDocument/2006/math" xmlns="" val="1"/>
+              <ma14:wrappingTextBoxFlag xmlns="" xmlns:m="http://schemas.openxmlformats.org/officeDocument/2006/math" xmlns:a14="http://schemas.microsoft.com/office/drawing/2010/main" xmlns:ma14="http://schemas.microsoft.com/office/mac/drawingml/2011/main" val="1"/>
             </a:ext>
           </a:extLst>
         </p:spPr>
@@ -2658,7 +2658,17 @@
             </a:r>
             <a:r>
               <a:rPr lang="en-US" b="1" dirty="0"/>
-              <a:t>, Delft University of Technology</a:t>
+              <a:t> (</a:t>
+            </a:r>
+            <a:r>
+              <a:rPr lang="en-US" b="1" dirty="0">
+                <a:hlinkClick r:id="rId4"/>
+              </a:rPr>
+              <a:t>p.altmeyer@tudelft.nl</a:t>
+            </a:r>
+            <a:r>
+              <a:rPr lang="en-US" b="1" dirty="0"/>
+              <a:t>), Delft University of Technology</a:t>
             </a:r>
           </a:p>
           <a:p>
@@ -2742,7 +2752,7 @@
           </a:ln>
           <a:extLst>
             <a:ext uri="{C572A759-6A51-4108-AA02-DFA0A04FC94B}">
-              <ma14:wrappingTextBoxFlag xmlns:ma14="http://schemas.microsoft.com/office/mac/drawingml/2011/main" xmlns:a14="http://schemas.microsoft.com/office/drawing/2010/main" xmlns:m="http://schemas.openxmlformats.org/officeDocument/2006/math" xmlns="" val="1"/>
+              <ma14:wrappingTextBoxFlag xmlns="" xmlns:m="http://schemas.openxmlformats.org/officeDocument/2006/math" xmlns:a14="http://schemas.microsoft.com/office/drawing/2010/main" xmlns:ma14="http://schemas.microsoft.com/office/mac/drawingml/2011/main" val="1"/>
             </a:ext>
           </a:extLst>
         </p:spPr>
@@ -2816,7 +2826,7 @@
             </a:ln>
             <a:extLst>
               <a:ext uri="{C572A759-6A51-4108-AA02-DFA0A04FC94B}">
-                <ma14:wrappingTextBoxFlag xmlns:ma14="http://schemas.microsoft.com/office/mac/drawingml/2011/main" xmlns:a14="http://schemas.microsoft.com/office/drawing/2010/main" xmlns:m="http://schemas.openxmlformats.org/officeDocument/2006/math" xmlns="" val="1"/>
+                <ma14:wrappingTextBoxFlag xmlns="" xmlns:m="http://schemas.openxmlformats.org/officeDocument/2006/math" xmlns:a14="http://schemas.microsoft.com/office/drawing/2010/main" xmlns:ma14="http://schemas.microsoft.com/office/mac/drawingml/2011/main" val="1"/>
               </a:ext>
             </a:extLst>
           </p:spPr>
@@ -2868,7 +2878,7 @@
             <p:nvPr/>
           </p:nvPicPr>
           <p:blipFill>
-            <a:blip r:embed="rId4">
+            <a:blip r:embed="rId5">
               <a:extLst>
                 <a:ext uri="{28A0092B-C50C-407E-A947-70E740481C1C}">
                   <a14:useLocalDpi xmlns:a14="http://schemas.microsoft.com/office/drawing/2010/main" val="0"/>
@@ -2948,7 +2958,7 @@
             </a:ln>
             <a:extLst>
               <a:ext uri="{C572A759-6A51-4108-AA02-DFA0A04FC94B}">
-                <ma14:wrappingTextBoxFlag xmlns:ma14="http://schemas.microsoft.com/office/mac/drawingml/2011/main" xmlns:a14="http://schemas.microsoft.com/office/drawing/2010/main" xmlns:m="http://schemas.openxmlformats.org/officeDocument/2006/math" xmlns="" val="1"/>
+                <ma14:wrappingTextBoxFlag xmlns="" xmlns:m="http://schemas.openxmlformats.org/officeDocument/2006/math" xmlns:a14="http://schemas.microsoft.com/office/drawing/2010/main" xmlns:ma14="http://schemas.microsoft.com/office/mac/drawingml/2011/main" val="1"/>
               </a:ext>
             </a:extLst>
           </p:spPr>
@@ -2997,7 +3007,7 @@
             <p:nvPr/>
           </p:nvPicPr>
           <p:blipFill>
-            <a:blip r:embed="rId5">
+            <a:blip r:embed="rId6">
               <a:extLst>
                 <a:ext uri="{28A0092B-C50C-407E-A947-70E740481C1C}">
                   <a14:useLocalDpi xmlns:a14="http://schemas.microsoft.com/office/drawing/2010/main" val="0"/>
@@ -3043,7 +3053,7 @@
           <p:nvPr/>
         </p:nvPicPr>
         <p:blipFill>
-          <a:blip r:embed="rId6">
+          <a:blip r:embed="rId7">
             <a:extLst>
               <a:ext uri="{28A0092B-C50C-407E-A947-70E740481C1C}">
                 <a14:useLocalDpi xmlns:a14="http://schemas.microsoft.com/office/drawing/2010/main" val="0"/>
@@ -3079,7 +3089,7 @@
           <p:nvPr/>
         </p:nvPicPr>
         <p:blipFill>
-          <a:blip r:embed="rId7">
+          <a:blip r:embed="rId8">
             <a:extLst>
               <a:ext uri="{28A0092B-C50C-407E-A947-70E740481C1C}">
                 <a14:useLocalDpi xmlns:a14="http://schemas.microsoft.com/office/drawing/2010/main" val="0"/>
@@ -3125,7 +3135,7 @@
           </a:ln>
           <a:extLst>
             <a:ext uri="{C572A759-6A51-4108-AA02-DFA0A04FC94B}">
-              <ma14:wrappingTextBoxFlag xmlns:ma14="http://schemas.microsoft.com/office/mac/drawingml/2011/main" xmlns:a14="http://schemas.microsoft.com/office/drawing/2010/main" xmlns:m="http://schemas.openxmlformats.org/officeDocument/2006/math" xmlns="" val="1"/>
+              <ma14:wrappingTextBoxFlag xmlns="" xmlns:m="http://schemas.openxmlformats.org/officeDocument/2006/math" xmlns:a14="http://schemas.microsoft.com/office/drawing/2010/main" xmlns:ma14="http://schemas.microsoft.com/office/mac/drawingml/2011/main" val="1"/>
             </a:ext>
           </a:extLst>
         </p:spPr>
@@ -3208,7 +3218,7 @@
             <p:nvPr/>
           </p:nvPicPr>
           <p:blipFill>
-            <a:blip r:embed="rId8">
+            <a:blip r:embed="rId9">
               <a:extLst>
                 <a:ext uri="{28A0092B-C50C-407E-A947-70E740481C1C}">
                   <a14:useLocalDpi xmlns:a14="http://schemas.microsoft.com/office/drawing/2010/main" val="0"/>
@@ -3265,7 +3275,7 @@
             </a:ln>
             <a:extLst>
               <a:ext uri="{C572A759-6A51-4108-AA02-DFA0A04FC94B}">
-                <ma14:wrappingTextBoxFlag xmlns:ma14="http://schemas.microsoft.com/office/mac/drawingml/2011/main" xmlns:a14="http://schemas.microsoft.com/office/drawing/2010/main" xmlns:m="http://schemas.openxmlformats.org/officeDocument/2006/math" xmlns="" val="1"/>
+                <ma14:wrappingTextBoxFlag xmlns="" xmlns:m="http://schemas.openxmlformats.org/officeDocument/2006/math" xmlns:a14="http://schemas.microsoft.com/office/drawing/2010/main" xmlns:ma14="http://schemas.microsoft.com/office/mac/drawingml/2011/main" val="1"/>
               </a:ext>
             </a:extLst>
           </p:spPr>
@@ -3320,7 +3330,7 @@
           </a:ln>
           <a:extLst>
             <a:ext uri="{C572A759-6A51-4108-AA02-DFA0A04FC94B}">
-              <ma14:wrappingTextBoxFlag xmlns:ma14="http://schemas.microsoft.com/office/mac/drawingml/2011/main" xmlns:a14="http://schemas.microsoft.com/office/drawing/2010/main" xmlns:m="http://schemas.openxmlformats.org/officeDocument/2006/math" xmlns="" val="1"/>
+              <ma14:wrappingTextBoxFlag xmlns="" xmlns:m="http://schemas.openxmlformats.org/officeDocument/2006/math" xmlns:a14="http://schemas.microsoft.com/office/drawing/2010/main" xmlns:ma14="http://schemas.microsoft.com/office/mac/drawingml/2011/main" val="1"/>
             </a:ext>
           </a:extLst>
         </p:spPr>
@@ -3372,7 +3382,7 @@
           </a:ln>
           <a:extLst>
             <a:ext uri="{C572A759-6A51-4108-AA02-DFA0A04FC94B}">
-              <ma14:wrappingTextBoxFlag xmlns:ma14="http://schemas.microsoft.com/office/mac/drawingml/2011/main" xmlns:a14="http://schemas.microsoft.com/office/drawing/2010/main" xmlns:m="http://schemas.openxmlformats.org/officeDocument/2006/math" xmlns="" val="1"/>
+              <ma14:wrappingTextBoxFlag xmlns="" xmlns:m="http://schemas.openxmlformats.org/officeDocument/2006/math" xmlns:a14="http://schemas.microsoft.com/office/drawing/2010/main" xmlns:ma14="http://schemas.microsoft.com/office/mac/drawingml/2011/main" val="1"/>
             </a:ext>
           </a:extLst>
         </p:spPr>
@@ -3442,7 +3452,7 @@
             <p:nvPr/>
           </p:nvPicPr>
           <p:blipFill rotWithShape="1">
-            <a:blip r:embed="rId9">
+            <a:blip r:embed="rId10">
               <a:extLst>
                 <a:ext uri="{28A0092B-C50C-407E-A947-70E740481C1C}">
                   <a14:useLocalDpi xmlns:a14="http://schemas.microsoft.com/office/drawing/2010/main" val="0"/>
@@ -3487,7 +3497,7 @@
             </a:ln>
             <a:extLst>
               <a:ext uri="{C572A759-6A51-4108-AA02-DFA0A04FC94B}">
-                <ma14:wrappingTextBoxFlag xmlns:ma14="http://schemas.microsoft.com/office/mac/drawingml/2011/main" xmlns:a14="http://schemas.microsoft.com/office/drawing/2010/main" xmlns:m="http://schemas.openxmlformats.org/officeDocument/2006/math" xmlns="" val="1"/>
+                <ma14:wrappingTextBoxFlag xmlns="" xmlns:m="http://schemas.openxmlformats.org/officeDocument/2006/math" xmlns:a14="http://schemas.microsoft.com/office/drawing/2010/main" xmlns:ma14="http://schemas.microsoft.com/office/mac/drawingml/2011/main" val="1"/>
               </a:ext>
             </a:extLst>
           </p:spPr>
@@ -3532,7 +3542,7 @@
         <p:spPr>
           <a:xfrm>
             <a:off x="22829601" y="12602033"/>
-            <a:ext cx="9130938" cy="4322465"/>
+            <a:ext cx="9130938" cy="4137799"/>
           </a:xfrm>
           <a:prstGeom prst="rect">
             <a:avLst/>
@@ -3542,7 +3552,7 @@
           </a:ln>
           <a:extLst>
             <a:ext uri="{C572A759-6A51-4108-AA02-DFA0A04FC94B}">
-              <ma14:wrappingTextBoxFlag xmlns:ma14="http://schemas.microsoft.com/office/mac/drawingml/2011/main" xmlns:a14="http://schemas.microsoft.com/office/drawing/2010/main" xmlns:m="http://schemas.openxmlformats.org/officeDocument/2006/math" xmlns="" val="1"/>
+              <ma14:wrappingTextBoxFlag xmlns="" xmlns:m="http://schemas.openxmlformats.org/officeDocument/2006/math" xmlns:a14="http://schemas.microsoft.com/office/drawing/2010/main" xmlns:ma14="http://schemas.microsoft.com/office/mac/drawingml/2011/main" val="1"/>
             </a:ext>
           </a:extLst>
         </p:spPr>
@@ -3568,85 +3578,114 @@
           </a:lstStyle>
           <a:p>
             <a:pPr marL="342900" indent="-342900">
-              <a:buFont typeface="Arial" panose="020B0604020202020204" pitchFamily="34" charset="0"/>
-              <a:buChar char="•"/>
+              <a:buFont typeface="Wingdings" pitchFamily="2" charset="2"/>
+              <a:buChar char="q"/>
             </a:pPr>
             <a:r>
-              <a:rPr lang="en-GB" dirty="0"/>
-              <a:t>From deterministic to </a:t>
-            </a:r>
-            <a:r>
-              <a:rPr lang="en-GB" b="1" dirty="0"/>
-              <a:t>Bayesian deep learning</a:t>
-            </a:r>
-            <a:r>
-              <a:rPr lang="en-GB" dirty="0"/>
-              <a:t>: this should aid with </a:t>
-            </a:r>
-            <a:r>
-              <a:rPr lang="en-GB" b="1" dirty="0"/>
-              <a:t>interpretability and uncertainty quantification</a:t>
-            </a:r>
-            <a:r>
-              <a:rPr lang="en-GB" dirty="0"/>
-              <a:t>. </a:t>
+              <a:rPr lang="en-US" dirty="0"/>
+              <a:t>Verify if outperformance is </a:t>
+            </a:r>
+            <a:r>
+              <a:rPr lang="en-US" b="1" dirty="0"/>
+              <a:t>robust</a:t>
+            </a:r>
+            <a:r>
+              <a:rPr lang="en-US" dirty="0"/>
+              <a:t> through additional data &amp; benchmarks.</a:t>
             </a:r>
           </a:p>
           <a:p>
             <a:pPr marL="342900" indent="-342900">
-              <a:buFont typeface="Arial" panose="020B0604020202020204" pitchFamily="34" charset="0"/>
-              <a:buChar char="•"/>
+              <a:buFont typeface="Wingdings" pitchFamily="2" charset="2"/>
+              <a:buChar char="q"/>
             </a:pPr>
             <a:r>
+              <a:rPr lang="en-GB" b="1" dirty="0"/>
+              <a:t>Uncertainty quantification: </a:t>
+            </a:r>
+            <a:r>
               <a:rPr lang="en-GB" dirty="0"/>
-              <a:t>Recent work by </a:t>
-            </a:r>
-            <a:r>
-              <a:rPr lang="en-GB" dirty="0" err="1"/>
-              <a:t>Daxberger</a:t>
-            </a:r>
-            <a:r>
-              <a:rPr lang="en-GB" dirty="0"/>
-              <a:t> et al. (2021) shows that </a:t>
-            </a:r>
-            <a:r>
-              <a:rPr lang="en-GB" b="1" dirty="0"/>
-              <a:t>Laplace Approximation </a:t>
-            </a:r>
-            <a:r>
-              <a:rPr lang="en-GB" dirty="0"/>
-              <a:t>is a promising way forward.</a:t>
+              <a:t>can we just assume Gaussian residuals? Probably not. Bootstrap? Costly!</a:t>
             </a:r>
           </a:p>
           <a:p>
             <a:pPr marL="342900" indent="-342900">
-              <a:buFont typeface="Arial" panose="020B0604020202020204" pitchFamily="34" charset="0"/>
-              <a:buChar char="•"/>
+              <a:buFont typeface="Wingdings" pitchFamily="2" charset="2"/>
+              <a:buChar char="q"/>
             </a:pPr>
             <a:r>
+              <a:rPr lang="en-GB" dirty="0"/>
+              <a:t>From deterministic to </a:t>
+            </a:r>
+            <a:r>
+              <a:rPr lang="en-GB" b="1" dirty="0"/>
+              <a:t>Bayesian deep learning</a:t>
+            </a:r>
+            <a:r>
+              <a:rPr lang="en-GB" dirty="0"/>
+              <a:t>: this enables uncertainty quantification and should aid with </a:t>
+            </a:r>
+            <a:r>
+              <a:rPr lang="en-GB" b="1" dirty="0"/>
+              <a:t>interpretability and robustness</a:t>
+            </a:r>
+            <a:r>
+              <a:rPr lang="en-GB" dirty="0"/>
+              <a:t>.</a:t>
+            </a:r>
+          </a:p>
+          <a:p>
+            <a:pPr marL="850900" indent="-317500">
+              <a:buFont typeface="Wingdings" pitchFamily="2" charset="2"/>
+              <a:buChar char="Ø"/>
+              <a:tabLst>
+                <a:tab pos="835025" algn="l"/>
+              </a:tabLst>
+            </a:pPr>
+            <a:r>
+              <a:rPr lang="en-GB" sz="1600" dirty="0"/>
+              <a:t>Recent work by </a:t>
+            </a:r>
+            <a:r>
+              <a:rPr lang="en-GB" sz="1600" dirty="0" err="1"/>
+              <a:t>Daxberger</a:t>
+            </a:r>
+            <a:r>
+              <a:rPr lang="en-GB" sz="1600" dirty="0"/>
+              <a:t> et al. (2021) shows that </a:t>
+            </a:r>
+            <a:r>
+              <a:rPr lang="en-GB" sz="1600" b="1" dirty="0"/>
+              <a:t>Laplace Approximation </a:t>
+            </a:r>
+            <a:r>
+              <a:rPr lang="en-GB" sz="1600" dirty="0"/>
+              <a:t>could be a promising way forward.</a:t>
+            </a:r>
+          </a:p>
+          <a:p>
+            <a:pPr marL="342900" indent="-342900">
+              <a:buFont typeface="Wingdings" pitchFamily="2" charset="2"/>
+              <a:buChar char="q"/>
+            </a:pPr>
+            <a:r>
               <a:rPr lang="en-US" dirty="0"/>
-              <a:t>Can the existing toolbox (IRFs, variance decomposition, policy counterfactuals, …) be derived for Deep VAR?</a:t>
+              <a:t>Can the existing </a:t>
+            </a:r>
+            <a:r>
+              <a:rPr lang="en-US" b="1" dirty="0"/>
+              <a:t>inference toolbox </a:t>
+            </a:r>
+            <a:r>
+              <a:rPr lang="en-US" dirty="0"/>
+              <a:t>(IRFs, variance decomposition, policy counterfactuals, …) be developed for Deep VAR?</a:t>
             </a:r>
             <a:endParaRPr lang="en-GB" dirty="0"/>
           </a:p>
           <a:p>
             <a:pPr marL="342900" indent="-342900">
-              <a:buFont typeface="Arial" panose="020B0604020202020204" pitchFamily="34" charset="0"/>
-              <a:buChar char="•"/>
-            </a:pPr>
-            <a:r>
-              <a:rPr lang="en-US" dirty="0"/>
-              <a:t>Add </a:t>
-            </a:r>
-            <a:r>
-              <a:rPr lang="en-US" b="1" dirty="0"/>
-              <a:t>other benchmark models.</a:t>
-            </a:r>
-          </a:p>
-          <a:p>
-            <a:pPr marL="342900" indent="-342900">
-              <a:buFont typeface="Arial" panose="020B0604020202020204" pitchFamily="34" charset="0"/>
-              <a:buChar char="•"/>
+              <a:buFont typeface="Wingdings" pitchFamily="2" charset="2"/>
+              <a:buChar char="q"/>
             </a:pPr>
             <a:r>
               <a:rPr lang="en-US" b="1" dirty="0"/>
@@ -3662,28 +3701,8 @@
             </a:r>
             <a:r>
               <a:rPr lang="en-US" dirty="0"/>
-              <a:t> (2020) works with Cholesky decomposition as in conventional VAR.</a:t>
-            </a:r>
-          </a:p>
-          <a:p>
-            <a:pPr marL="342900" indent="-342900">
-              <a:buFont typeface="Arial" panose="020B0604020202020204" pitchFamily="34" charset="0"/>
-              <a:buChar char="•"/>
-            </a:pPr>
-            <a:r>
-              <a:rPr lang="en-US" dirty="0"/>
-              <a:t>Deep VAR as a monitoring </a:t>
-            </a:r>
-            <a:r>
-              <a:rPr lang="en-US" b="1" dirty="0"/>
-              <a:t>tool for detecting non-linearities</a:t>
-            </a:r>
-            <a:r>
-              <a:rPr lang="en-US" dirty="0"/>
-              <a:t>?</a:t>
-            </a:r>
-          </a:p>
-          <a:p>
+              <a:t> (2020) works with Cholesky decomposition as in conventional VAR. What about GNN?</a:t>
+            </a:r>
             <a:endParaRPr lang="en-GB" dirty="0"/>
           </a:p>
         </p:txBody>
@@ -3703,7 +3722,7 @@
           <p:nvPr/>
         </p:nvPicPr>
         <p:blipFill>
-          <a:blip r:embed="rId10">
+          <a:blip r:embed="rId11">
             <a:extLst>
               <a:ext uri="{28A0092B-C50C-407E-A947-70E740481C1C}">
                 <a14:useLocalDpi xmlns:a14="http://schemas.microsoft.com/office/drawing/2010/main" val="0"/>
@@ -3739,7 +3758,7 @@
           <p:nvPr/>
         </p:nvPicPr>
         <p:blipFill>
-          <a:blip r:embed="rId11">
+          <a:blip r:embed="rId12">
             <a:extLst>
               <a:ext uri="{28A0092B-C50C-407E-A947-70E740481C1C}">
                 <a14:useLocalDpi xmlns:a14="http://schemas.microsoft.com/office/drawing/2010/main" val="0"/>
@@ -3792,7 +3811,7 @@
           </a:ln>
           <a:extLst>
             <a:ext uri="{C572A759-6A51-4108-AA02-DFA0A04FC94B}">
-              <ma14:wrappingTextBoxFlag xmlns:ma14="http://schemas.microsoft.com/office/mac/drawingml/2011/main" xmlns:a14="http://schemas.microsoft.com/office/drawing/2010/main" xmlns:m="http://schemas.openxmlformats.org/officeDocument/2006/math" xmlns="" val="1"/>
+              <ma14:wrappingTextBoxFlag xmlns="" xmlns:m="http://schemas.openxmlformats.org/officeDocument/2006/math" xmlns:a14="http://schemas.microsoft.com/office/drawing/2010/main" xmlns:ma14="http://schemas.microsoft.com/office/mac/drawingml/2011/main" val="1"/>
             </a:ext>
           </a:extLst>
         </p:spPr>
@@ -3844,7 +3863,7 @@
           </a:ln>
           <a:extLst>
             <a:ext uri="{C572A759-6A51-4108-AA02-DFA0A04FC94B}">
-              <ma14:wrappingTextBoxFlag xmlns:ma14="http://schemas.microsoft.com/office/mac/drawingml/2011/main" xmlns:a14="http://schemas.microsoft.com/office/drawing/2010/main" xmlns:m="http://schemas.openxmlformats.org/officeDocument/2006/math" xmlns="" val="1"/>
+              <ma14:wrappingTextBoxFlag xmlns="" xmlns:m="http://schemas.openxmlformats.org/officeDocument/2006/math" xmlns:a14="http://schemas.microsoft.com/office/drawing/2010/main" xmlns:ma14="http://schemas.microsoft.com/office/mac/drawingml/2011/main" val="1"/>
             </a:ext>
           </a:extLst>
         </p:spPr>
@@ -3896,7 +3915,7 @@
           </a:ln>
           <a:extLst>
             <a:ext uri="{C572A759-6A51-4108-AA02-DFA0A04FC94B}">
-              <ma14:wrappingTextBoxFlag xmlns:ma14="http://schemas.microsoft.com/office/mac/drawingml/2011/main" xmlns:a14="http://schemas.microsoft.com/office/drawing/2010/main" xmlns:m="http://schemas.openxmlformats.org/officeDocument/2006/math" xmlns="" val="1"/>
+              <ma14:wrappingTextBoxFlag xmlns="" xmlns:m="http://schemas.openxmlformats.org/officeDocument/2006/math" xmlns:a14="http://schemas.microsoft.com/office/drawing/2010/main" xmlns:ma14="http://schemas.microsoft.com/office/mac/drawingml/2011/main" val="1"/>
             </a:ext>
           </a:extLst>
         </p:spPr>
@@ -3917,7 +3936,7 @@
           <a:p>
             <a:r>
               <a:rPr lang="en-US" sz="3400" dirty="0"/>
-              <a:t>… and multi-step-ahead forecasting error.</a:t>
+              <a:t>… and multi-step-ahead prediction error.</a:t>
             </a:r>
             <a:endParaRPr sz="3400" dirty="0"/>
           </a:p>
@@ -3938,7 +3957,7 @@
         <p:spPr>
           <a:xfrm>
             <a:off x="11885197" y="20471885"/>
-            <a:ext cx="9029701" cy="292388"/>
+            <a:ext cx="9029701" cy="492443"/>
           </a:xfrm>
           <a:prstGeom prst="rect">
             <a:avLst/>
@@ -3955,7 +3974,7 @@
           </a:effectLst>
           <a:extLst>
             <a:ext uri="{C572A759-6A51-4108-AA02-DFA0A04FC94B}">
-              <ma14:wrappingTextBoxFlag xmlns:ma14="http://schemas.microsoft.com/office/mac/drawingml/2011/main" xmlns:a14="http://schemas.microsoft.com/office/drawing/2010/main" xmlns:m="http://schemas.openxmlformats.org/officeDocument/2006/math" xmlns="" val="1"/>
+              <ma14:wrappingTextBoxFlag xmlns="" xmlns:m="http://schemas.openxmlformats.org/officeDocument/2006/math" xmlns:a14="http://schemas.microsoft.com/office/drawing/2010/main" xmlns:ma14="http://schemas.microsoft.com/office/mac/drawingml/2011/main" val="1"/>
             </a:ext>
           </a:extLst>
         </p:spPr>
@@ -3979,7 +3998,7 @@
           <a:p>
             <a:r>
               <a:rPr lang="en-GB" dirty="0"/>
-              <a:t>Figure 3: Cumulative rolling-window forecasting error for the 1-month and 3-month horizon.</a:t>
+              <a:t>Figure 3: Cumulative rolling-window prediction error for the 1-month and 3-month horizon. TVAR not shown here, since errors blew out by too much.</a:t>
             </a:r>
           </a:p>
         </p:txBody>
